--- a/images/ImageGenerator.pptx
+++ b/images/ImageGenerator.pptx
@@ -2,18 +2,19 @@
 <file path=ppt/presentation.xml><?xml version="1.0" encoding="utf-8"?>
 <p:presentation xmlns:a="http://schemas.openxmlformats.org/drawingml/2006/main" xmlns:r="http://schemas.openxmlformats.org/officeDocument/2006/relationships" xmlns:p="http://schemas.openxmlformats.org/presentationml/2006/main" saveSubsetFonts="1">
   <p:sldMasterIdLst>
-    <p:sldMasterId id="2147483648" r:id="rId1"/>
+    <p:sldMasterId id="2147483660" r:id="rId1"/>
   </p:sldMasterIdLst>
   <p:sldIdLst>
     <p:sldId id="256" r:id="rId2"/>
+    <p:sldId id="257" r:id="rId3"/>
   </p:sldIdLst>
-  <p:sldSz cx="12192000" cy="6858000"/>
+  <p:sldSz cx="18000663" cy="6858000"/>
   <p:notesSz cx="6858000" cy="9144000"/>
   <p:defaultTextStyle>
     <a:defPPr>
       <a:defRPr lang="en-US"/>
     </a:defPPr>
-    <a:lvl1pPr marL="0" algn="l" defTabSz="914400" rtl="0" eaLnBrk="1" latinLnBrk="0" hangingPunct="1">
+    <a:lvl1pPr marL="0" algn="l" defTabSz="457200" rtl="0" eaLnBrk="1" latinLnBrk="0" hangingPunct="1">
       <a:defRPr sz="1800" kern="1200">
         <a:solidFill>
           <a:schemeClr val="tx1"/>
@@ -23,7 +24,7 @@
         <a:cs typeface="+mn-cs"/>
       </a:defRPr>
     </a:lvl1pPr>
-    <a:lvl2pPr marL="457200" algn="l" defTabSz="914400" rtl="0" eaLnBrk="1" latinLnBrk="0" hangingPunct="1">
+    <a:lvl2pPr marL="457200" algn="l" defTabSz="457200" rtl="0" eaLnBrk="1" latinLnBrk="0" hangingPunct="1">
       <a:defRPr sz="1800" kern="1200">
         <a:solidFill>
           <a:schemeClr val="tx1"/>
@@ -33,7 +34,7 @@
         <a:cs typeface="+mn-cs"/>
       </a:defRPr>
     </a:lvl2pPr>
-    <a:lvl3pPr marL="914400" algn="l" defTabSz="914400" rtl="0" eaLnBrk="1" latinLnBrk="0" hangingPunct="1">
+    <a:lvl3pPr marL="914400" algn="l" defTabSz="457200" rtl="0" eaLnBrk="1" latinLnBrk="0" hangingPunct="1">
       <a:defRPr sz="1800" kern="1200">
         <a:solidFill>
           <a:schemeClr val="tx1"/>
@@ -43,7 +44,7 @@
         <a:cs typeface="+mn-cs"/>
       </a:defRPr>
     </a:lvl3pPr>
-    <a:lvl4pPr marL="1371600" algn="l" defTabSz="914400" rtl="0" eaLnBrk="1" latinLnBrk="0" hangingPunct="1">
+    <a:lvl4pPr marL="1371600" algn="l" defTabSz="457200" rtl="0" eaLnBrk="1" latinLnBrk="0" hangingPunct="1">
       <a:defRPr sz="1800" kern="1200">
         <a:solidFill>
           <a:schemeClr val="tx1"/>
@@ -53,7 +54,7 @@
         <a:cs typeface="+mn-cs"/>
       </a:defRPr>
     </a:lvl4pPr>
-    <a:lvl5pPr marL="1828800" algn="l" defTabSz="914400" rtl="0" eaLnBrk="1" latinLnBrk="0" hangingPunct="1">
+    <a:lvl5pPr marL="1828800" algn="l" defTabSz="457200" rtl="0" eaLnBrk="1" latinLnBrk="0" hangingPunct="1">
       <a:defRPr sz="1800" kern="1200">
         <a:solidFill>
           <a:schemeClr val="tx1"/>
@@ -63,7 +64,7 @@
         <a:cs typeface="+mn-cs"/>
       </a:defRPr>
     </a:lvl5pPr>
-    <a:lvl6pPr marL="2286000" algn="l" defTabSz="914400" rtl="0" eaLnBrk="1" latinLnBrk="0" hangingPunct="1">
+    <a:lvl6pPr marL="2286000" algn="l" defTabSz="457200" rtl="0" eaLnBrk="1" latinLnBrk="0" hangingPunct="1">
       <a:defRPr sz="1800" kern="1200">
         <a:solidFill>
           <a:schemeClr val="tx1"/>
@@ -73,7 +74,7 @@
         <a:cs typeface="+mn-cs"/>
       </a:defRPr>
     </a:lvl6pPr>
-    <a:lvl7pPr marL="2743200" algn="l" defTabSz="914400" rtl="0" eaLnBrk="1" latinLnBrk="0" hangingPunct="1">
+    <a:lvl7pPr marL="2743200" algn="l" defTabSz="457200" rtl="0" eaLnBrk="1" latinLnBrk="0" hangingPunct="1">
       <a:defRPr sz="1800" kern="1200">
         <a:solidFill>
           <a:schemeClr val="tx1"/>
@@ -83,7 +84,7 @@
         <a:cs typeface="+mn-cs"/>
       </a:defRPr>
     </a:lvl7pPr>
-    <a:lvl8pPr marL="3200400" algn="l" defTabSz="914400" rtl="0" eaLnBrk="1" latinLnBrk="0" hangingPunct="1">
+    <a:lvl8pPr marL="3200400" algn="l" defTabSz="457200" rtl="0" eaLnBrk="1" latinLnBrk="0" hangingPunct="1">
       <a:defRPr sz="1800" kern="1200">
         <a:solidFill>
           <a:schemeClr val="tx1"/>
@@ -93,7 +94,7 @@
         <a:cs typeface="+mn-cs"/>
       </a:defRPr>
     </a:lvl8pPr>
-    <a:lvl9pPr marL="3657600" algn="l" defTabSz="914400" rtl="0" eaLnBrk="1" latinLnBrk="0" hangingPunct="1">
+    <a:lvl9pPr marL="3657600" algn="l" defTabSz="457200" rtl="0" eaLnBrk="1" latinLnBrk="0" hangingPunct="1">
       <a:defRPr sz="1800" kern="1200">
         <a:solidFill>
           <a:schemeClr val="tx1"/>
@@ -104,6 +105,11 @@
       </a:defRPr>
     </a:lvl9pPr>
   </p:defaultTextStyle>
+  <p:extLst>
+    <p:ext uri="{EFAFB233-063F-42B5-8137-9DF3F51BA10A}">
+      <p15:sldGuideLst xmlns:p15="http://schemas.microsoft.com/office/powerpoint/2012/main"/>
+    </p:ext>
+  </p:extLst>
 </p:presentation>
 </file>
 
@@ -126,13 +132,7 @@
       </p:grpSpPr>
       <p:sp>
         <p:nvSpPr>
-          <p:cNvPr id="2" name="Title 1">
-            <a:extLst>
-              <a:ext uri="{FF2B5EF4-FFF2-40B4-BE49-F238E27FC236}">
-                <a16:creationId xmlns:a16="http://schemas.microsoft.com/office/drawing/2014/main" id="{C0F8DDBB-4400-4405-8D92-892280E667CA}"/>
-              </a:ext>
-            </a:extLst>
-          </p:cNvPr>
+          <p:cNvPr id="2" name="Title 1"/>
           <p:cNvSpPr>
             <a:spLocks noGrp="1"/>
           </p:cNvSpPr>
@@ -142,8 +142,8 @@
         </p:nvSpPr>
         <p:spPr>
           <a:xfrm>
-            <a:off x="1524000" y="1122363"/>
-            <a:ext cx="9144000" cy="2387600"/>
+            <a:off x="2250083" y="1122363"/>
+            <a:ext cx="13500497" cy="2387600"/>
           </a:xfrm>
         </p:spPr>
         <p:txBody>
@@ -158,19 +158,13 @@
               <a:rPr lang="en-US"/>
               <a:t>Click to edit Master title style</a:t>
             </a:r>
-            <a:endParaRPr lang="en-CA"/>
-          </a:p>
-        </p:txBody>
-      </p:sp>
-      <p:sp>
-        <p:nvSpPr>
-          <p:cNvPr id="3" name="Subtitle 2">
-            <a:extLst>
-              <a:ext uri="{FF2B5EF4-FFF2-40B4-BE49-F238E27FC236}">
-                <a16:creationId xmlns:a16="http://schemas.microsoft.com/office/drawing/2014/main" id="{009BA7E9-8341-4C5B-9121-90C5CC8656AF}"/>
-              </a:ext>
-            </a:extLst>
-          </p:cNvPr>
+            <a:endParaRPr lang="en-US" dirty="0"/>
+          </a:p>
+        </p:txBody>
+      </p:sp>
+      <p:sp>
+        <p:nvSpPr>
+          <p:cNvPr id="3" name="Subtitle 2"/>
           <p:cNvSpPr>
             <a:spLocks noGrp="1"/>
           </p:cNvSpPr>
@@ -180,8 +174,8 @@
         </p:nvSpPr>
         <p:spPr>
           <a:xfrm>
-            <a:off x="1524000" y="3602038"/>
-            <a:ext cx="9144000" cy="1655762"/>
+            <a:off x="2250083" y="3602038"/>
+            <a:ext cx="13500497" cy="1655762"/>
           </a:xfrm>
         </p:spPr>
         <p:txBody>
@@ -229,19 +223,13 @@
               <a:rPr lang="en-US"/>
               <a:t>Click to edit Master subtitle style</a:t>
             </a:r>
-            <a:endParaRPr lang="en-CA"/>
-          </a:p>
-        </p:txBody>
-      </p:sp>
-      <p:sp>
-        <p:nvSpPr>
-          <p:cNvPr id="4" name="Date Placeholder 3">
-            <a:extLst>
-              <a:ext uri="{FF2B5EF4-FFF2-40B4-BE49-F238E27FC236}">
-                <a16:creationId xmlns:a16="http://schemas.microsoft.com/office/drawing/2014/main" id="{AC318298-7B0D-405C-91EE-BCCC470D92DF}"/>
-              </a:ext>
-            </a:extLst>
-          </p:cNvPr>
+            <a:endParaRPr lang="en-US" dirty="0"/>
+          </a:p>
+        </p:txBody>
+      </p:sp>
+      <p:sp>
+        <p:nvSpPr>
+          <p:cNvPr id="4" name="Date Placeholder 3"/>
           <p:cNvSpPr>
             <a:spLocks noGrp="1"/>
           </p:cNvSpPr>
@@ -256,7 +244,7 @@
           <a:p>
             <a:fld id="{38D9F8AA-6EA7-473A-9C43-49057B4516F6}" type="datetimeFigureOut">
               <a:rPr lang="en-CA" smtClean="0"/>
-              <a:t>2018-07-10</a:t>
+              <a:t>2018-07-11</a:t>
             </a:fld>
             <a:endParaRPr lang="en-CA"/>
           </a:p>
@@ -264,13 +252,7 @@
       </p:sp>
       <p:sp>
         <p:nvSpPr>
-          <p:cNvPr id="5" name="Footer Placeholder 4">
-            <a:extLst>
-              <a:ext uri="{FF2B5EF4-FFF2-40B4-BE49-F238E27FC236}">
-                <a16:creationId xmlns:a16="http://schemas.microsoft.com/office/drawing/2014/main" id="{28367C57-039E-4C0D-88D0-9A13687A36AB}"/>
-              </a:ext>
-            </a:extLst>
-          </p:cNvPr>
+          <p:cNvPr id="5" name="Footer Placeholder 4"/>
           <p:cNvSpPr>
             <a:spLocks noGrp="1"/>
           </p:cNvSpPr>
@@ -289,13 +271,7 @@
       </p:sp>
       <p:sp>
         <p:nvSpPr>
-          <p:cNvPr id="6" name="Slide Number Placeholder 5">
-            <a:extLst>
-              <a:ext uri="{FF2B5EF4-FFF2-40B4-BE49-F238E27FC236}">
-                <a16:creationId xmlns:a16="http://schemas.microsoft.com/office/drawing/2014/main" id="{11026B39-49F9-435E-A133-9FF050730005}"/>
-              </a:ext>
-            </a:extLst>
-          </p:cNvPr>
+          <p:cNvPr id="6" name="Slide Number Placeholder 5"/>
           <p:cNvSpPr>
             <a:spLocks noGrp="1"/>
           </p:cNvSpPr>
@@ -319,7 +295,7 @@
     </p:spTree>
     <p:extLst>
       <p:ext uri="{BB962C8B-B14F-4D97-AF65-F5344CB8AC3E}">
-        <p14:creationId xmlns:p14="http://schemas.microsoft.com/office/powerpoint/2010/main" val="4047904637"/>
+        <p14:creationId xmlns:p14="http://schemas.microsoft.com/office/powerpoint/2010/main" val="3937807249"/>
       </p:ext>
     </p:extLst>
   </p:cSld>
@@ -348,13 +324,7 @@
       </p:grpSpPr>
       <p:sp>
         <p:nvSpPr>
-          <p:cNvPr id="2" name="Title 1">
-            <a:extLst>
-              <a:ext uri="{FF2B5EF4-FFF2-40B4-BE49-F238E27FC236}">
-                <a16:creationId xmlns:a16="http://schemas.microsoft.com/office/drawing/2014/main" id="{8A08E49C-94B8-46B3-AC0B-4F678F7AFF9F}"/>
-              </a:ext>
-            </a:extLst>
-          </p:cNvPr>
+          <p:cNvPr id="2" name="Title 1"/>
           <p:cNvSpPr>
             <a:spLocks noGrp="1"/>
           </p:cNvSpPr>
@@ -371,19 +341,13 @@
               <a:rPr lang="en-US"/>
               <a:t>Click to edit Master title style</a:t>
             </a:r>
-            <a:endParaRPr lang="en-CA"/>
-          </a:p>
-        </p:txBody>
-      </p:sp>
-      <p:sp>
-        <p:nvSpPr>
-          <p:cNvPr id="3" name="Vertical Text Placeholder 2">
-            <a:extLst>
-              <a:ext uri="{FF2B5EF4-FFF2-40B4-BE49-F238E27FC236}">
-                <a16:creationId xmlns:a16="http://schemas.microsoft.com/office/drawing/2014/main" id="{C14829E8-29AE-44D6-9C54-BA5F3FD2D4FF}"/>
-              </a:ext>
-            </a:extLst>
-          </p:cNvPr>
+            <a:endParaRPr lang="en-US" dirty="0"/>
+          </a:p>
+        </p:txBody>
+      </p:sp>
+      <p:sp>
+        <p:nvSpPr>
+          <p:cNvPr id="3" name="Vertical Text Placeholder 2"/>
           <p:cNvSpPr>
             <a:spLocks noGrp="1"/>
           </p:cNvSpPr>
@@ -429,19 +393,13 @@
               <a:rPr lang="en-US"/>
               <a:t>Fifth level</a:t>
             </a:r>
-            <a:endParaRPr lang="en-CA"/>
-          </a:p>
-        </p:txBody>
-      </p:sp>
-      <p:sp>
-        <p:nvSpPr>
-          <p:cNvPr id="4" name="Date Placeholder 3">
-            <a:extLst>
-              <a:ext uri="{FF2B5EF4-FFF2-40B4-BE49-F238E27FC236}">
-                <a16:creationId xmlns:a16="http://schemas.microsoft.com/office/drawing/2014/main" id="{4609E85D-59D2-45EE-82D9-6AB2893DC6FA}"/>
-              </a:ext>
-            </a:extLst>
-          </p:cNvPr>
+            <a:endParaRPr lang="en-US" dirty="0"/>
+          </a:p>
+        </p:txBody>
+      </p:sp>
+      <p:sp>
+        <p:nvSpPr>
+          <p:cNvPr id="4" name="Date Placeholder 3"/>
           <p:cNvSpPr>
             <a:spLocks noGrp="1"/>
           </p:cNvSpPr>
@@ -456,7 +414,7 @@
           <a:p>
             <a:fld id="{38D9F8AA-6EA7-473A-9C43-49057B4516F6}" type="datetimeFigureOut">
               <a:rPr lang="en-CA" smtClean="0"/>
-              <a:t>2018-07-10</a:t>
+              <a:t>2018-07-11</a:t>
             </a:fld>
             <a:endParaRPr lang="en-CA"/>
           </a:p>
@@ -464,13 +422,7 @@
       </p:sp>
       <p:sp>
         <p:nvSpPr>
-          <p:cNvPr id="5" name="Footer Placeholder 4">
-            <a:extLst>
-              <a:ext uri="{FF2B5EF4-FFF2-40B4-BE49-F238E27FC236}">
-                <a16:creationId xmlns:a16="http://schemas.microsoft.com/office/drawing/2014/main" id="{14691EE9-0B49-4DFE-9C79-09BE7496D36A}"/>
-              </a:ext>
-            </a:extLst>
-          </p:cNvPr>
+          <p:cNvPr id="5" name="Footer Placeholder 4"/>
           <p:cNvSpPr>
             <a:spLocks noGrp="1"/>
           </p:cNvSpPr>
@@ -489,13 +441,7 @@
       </p:sp>
       <p:sp>
         <p:nvSpPr>
-          <p:cNvPr id="6" name="Slide Number Placeholder 5">
-            <a:extLst>
-              <a:ext uri="{FF2B5EF4-FFF2-40B4-BE49-F238E27FC236}">
-                <a16:creationId xmlns:a16="http://schemas.microsoft.com/office/drawing/2014/main" id="{EBD26CAB-1432-4365-9736-560776C4DFB2}"/>
-              </a:ext>
-            </a:extLst>
-          </p:cNvPr>
+          <p:cNvPr id="6" name="Slide Number Placeholder 5"/>
           <p:cNvSpPr>
             <a:spLocks noGrp="1"/>
           </p:cNvSpPr>
@@ -519,7 +465,7 @@
     </p:spTree>
     <p:extLst>
       <p:ext uri="{BB962C8B-B14F-4D97-AF65-F5344CB8AC3E}">
-        <p14:creationId xmlns:p14="http://schemas.microsoft.com/office/powerpoint/2010/main" val="815561215"/>
+        <p14:creationId xmlns:p14="http://schemas.microsoft.com/office/powerpoint/2010/main" val="3301136652"/>
       </p:ext>
     </p:extLst>
   </p:cSld>
@@ -548,13 +494,7 @@
       </p:grpSpPr>
       <p:sp>
         <p:nvSpPr>
-          <p:cNvPr id="2" name="Vertical Title 1">
-            <a:extLst>
-              <a:ext uri="{FF2B5EF4-FFF2-40B4-BE49-F238E27FC236}">
-                <a16:creationId xmlns:a16="http://schemas.microsoft.com/office/drawing/2014/main" id="{DD2D8885-1423-49AB-9BC5-D8192ABDF6F9}"/>
-              </a:ext>
-            </a:extLst>
-          </p:cNvPr>
+          <p:cNvPr id="2" name="Vertical Title 1"/>
           <p:cNvSpPr>
             <a:spLocks noGrp="1"/>
           </p:cNvSpPr>
@@ -564,8 +504,8 @@
         </p:nvSpPr>
         <p:spPr>
           <a:xfrm>
-            <a:off x="8724900" y="365125"/>
-            <a:ext cx="2628900" cy="5811838"/>
+            <a:off x="12881724" y="365125"/>
+            <a:ext cx="3881393" cy="5811838"/>
           </a:xfrm>
         </p:spPr>
         <p:txBody>
@@ -576,19 +516,13 @@
               <a:rPr lang="en-US"/>
               <a:t>Click to edit Master title style</a:t>
             </a:r>
-            <a:endParaRPr lang="en-CA"/>
-          </a:p>
-        </p:txBody>
-      </p:sp>
-      <p:sp>
-        <p:nvSpPr>
-          <p:cNvPr id="3" name="Vertical Text Placeholder 2">
-            <a:extLst>
-              <a:ext uri="{FF2B5EF4-FFF2-40B4-BE49-F238E27FC236}">
-                <a16:creationId xmlns:a16="http://schemas.microsoft.com/office/drawing/2014/main" id="{C7CA6C30-8ECB-4783-BE58-F107493C9C3D}"/>
-              </a:ext>
-            </a:extLst>
-          </p:cNvPr>
+            <a:endParaRPr lang="en-US" dirty="0"/>
+          </a:p>
+        </p:txBody>
+      </p:sp>
+      <p:sp>
+        <p:nvSpPr>
+          <p:cNvPr id="3" name="Vertical Text Placeholder 2"/>
           <p:cNvSpPr>
             <a:spLocks noGrp="1"/>
           </p:cNvSpPr>
@@ -598,8 +532,8 @@
         </p:nvSpPr>
         <p:spPr>
           <a:xfrm>
-            <a:off x="838200" y="365125"/>
-            <a:ext cx="7734300" cy="5811838"/>
+            <a:off x="1237545" y="365125"/>
+            <a:ext cx="11419171" cy="5811838"/>
           </a:xfrm>
         </p:spPr>
         <p:txBody>
@@ -639,19 +573,13 @@
               <a:rPr lang="en-US"/>
               <a:t>Fifth level</a:t>
             </a:r>
-            <a:endParaRPr lang="en-CA"/>
-          </a:p>
-        </p:txBody>
-      </p:sp>
-      <p:sp>
-        <p:nvSpPr>
-          <p:cNvPr id="4" name="Date Placeholder 3">
-            <a:extLst>
-              <a:ext uri="{FF2B5EF4-FFF2-40B4-BE49-F238E27FC236}">
-                <a16:creationId xmlns:a16="http://schemas.microsoft.com/office/drawing/2014/main" id="{2BEF44BD-2258-42FD-9DAC-4D8A5C26203B}"/>
-              </a:ext>
-            </a:extLst>
-          </p:cNvPr>
+            <a:endParaRPr lang="en-US" dirty="0"/>
+          </a:p>
+        </p:txBody>
+      </p:sp>
+      <p:sp>
+        <p:nvSpPr>
+          <p:cNvPr id="4" name="Date Placeholder 3"/>
           <p:cNvSpPr>
             <a:spLocks noGrp="1"/>
           </p:cNvSpPr>
@@ -666,7 +594,7 @@
           <a:p>
             <a:fld id="{38D9F8AA-6EA7-473A-9C43-49057B4516F6}" type="datetimeFigureOut">
               <a:rPr lang="en-CA" smtClean="0"/>
-              <a:t>2018-07-10</a:t>
+              <a:t>2018-07-11</a:t>
             </a:fld>
             <a:endParaRPr lang="en-CA"/>
           </a:p>
@@ -674,13 +602,7 @@
       </p:sp>
       <p:sp>
         <p:nvSpPr>
-          <p:cNvPr id="5" name="Footer Placeholder 4">
-            <a:extLst>
-              <a:ext uri="{FF2B5EF4-FFF2-40B4-BE49-F238E27FC236}">
-                <a16:creationId xmlns:a16="http://schemas.microsoft.com/office/drawing/2014/main" id="{8C538AC3-38E2-459F-874C-FDEB1E85700E}"/>
-              </a:ext>
-            </a:extLst>
-          </p:cNvPr>
+          <p:cNvPr id="5" name="Footer Placeholder 4"/>
           <p:cNvSpPr>
             <a:spLocks noGrp="1"/>
           </p:cNvSpPr>
@@ -699,13 +621,7 @@
       </p:sp>
       <p:sp>
         <p:nvSpPr>
-          <p:cNvPr id="6" name="Slide Number Placeholder 5">
-            <a:extLst>
-              <a:ext uri="{FF2B5EF4-FFF2-40B4-BE49-F238E27FC236}">
-                <a16:creationId xmlns:a16="http://schemas.microsoft.com/office/drawing/2014/main" id="{F5CEA170-01ED-4D5E-B850-F9CF89F9381E}"/>
-              </a:ext>
-            </a:extLst>
-          </p:cNvPr>
+          <p:cNvPr id="6" name="Slide Number Placeholder 5"/>
           <p:cNvSpPr>
             <a:spLocks noGrp="1"/>
           </p:cNvSpPr>
@@ -729,7 +645,7 @@
     </p:spTree>
     <p:extLst>
       <p:ext uri="{BB962C8B-B14F-4D97-AF65-F5344CB8AC3E}">
-        <p14:creationId xmlns:p14="http://schemas.microsoft.com/office/powerpoint/2010/main" val="3606673663"/>
+        <p14:creationId xmlns:p14="http://schemas.microsoft.com/office/powerpoint/2010/main" val="1336601563"/>
       </p:ext>
     </p:extLst>
   </p:cSld>
@@ -758,13 +674,7 @@
       </p:grpSpPr>
       <p:sp>
         <p:nvSpPr>
-          <p:cNvPr id="2" name="Title 1">
-            <a:extLst>
-              <a:ext uri="{FF2B5EF4-FFF2-40B4-BE49-F238E27FC236}">
-                <a16:creationId xmlns:a16="http://schemas.microsoft.com/office/drawing/2014/main" id="{E72D5AD7-A678-4D06-908D-FE7A4542262E}"/>
-              </a:ext>
-            </a:extLst>
-          </p:cNvPr>
+          <p:cNvPr id="2" name="Title 1"/>
           <p:cNvSpPr>
             <a:spLocks noGrp="1"/>
           </p:cNvSpPr>
@@ -781,19 +691,13 @@
               <a:rPr lang="en-US"/>
               <a:t>Click to edit Master title style</a:t>
             </a:r>
-            <a:endParaRPr lang="en-CA"/>
-          </a:p>
-        </p:txBody>
-      </p:sp>
-      <p:sp>
-        <p:nvSpPr>
-          <p:cNvPr id="3" name="Content Placeholder 2">
-            <a:extLst>
-              <a:ext uri="{FF2B5EF4-FFF2-40B4-BE49-F238E27FC236}">
-                <a16:creationId xmlns:a16="http://schemas.microsoft.com/office/drawing/2014/main" id="{EDC33ED7-3C06-4EA4-86EE-37DEC97F9D33}"/>
-              </a:ext>
-            </a:extLst>
-          </p:cNvPr>
+            <a:endParaRPr lang="en-US" dirty="0"/>
+          </a:p>
+        </p:txBody>
+      </p:sp>
+      <p:sp>
+        <p:nvSpPr>
+          <p:cNvPr id="3" name="Content Placeholder 2"/>
           <p:cNvSpPr>
             <a:spLocks noGrp="1"/>
           </p:cNvSpPr>
@@ -839,19 +743,13 @@
               <a:rPr lang="en-US"/>
               <a:t>Fifth level</a:t>
             </a:r>
-            <a:endParaRPr lang="en-CA"/>
-          </a:p>
-        </p:txBody>
-      </p:sp>
-      <p:sp>
-        <p:nvSpPr>
-          <p:cNvPr id="4" name="Date Placeholder 3">
-            <a:extLst>
-              <a:ext uri="{FF2B5EF4-FFF2-40B4-BE49-F238E27FC236}">
-                <a16:creationId xmlns:a16="http://schemas.microsoft.com/office/drawing/2014/main" id="{ED636FB8-DF56-4E1C-A32C-467ED5CA80A4}"/>
-              </a:ext>
-            </a:extLst>
-          </p:cNvPr>
+            <a:endParaRPr lang="en-US" dirty="0"/>
+          </a:p>
+        </p:txBody>
+      </p:sp>
+      <p:sp>
+        <p:nvSpPr>
+          <p:cNvPr id="4" name="Date Placeholder 3"/>
           <p:cNvSpPr>
             <a:spLocks noGrp="1"/>
           </p:cNvSpPr>
@@ -866,7 +764,7 @@
           <a:p>
             <a:fld id="{38D9F8AA-6EA7-473A-9C43-49057B4516F6}" type="datetimeFigureOut">
               <a:rPr lang="en-CA" smtClean="0"/>
-              <a:t>2018-07-10</a:t>
+              <a:t>2018-07-11</a:t>
             </a:fld>
             <a:endParaRPr lang="en-CA"/>
           </a:p>
@@ -874,13 +772,7 @@
       </p:sp>
       <p:sp>
         <p:nvSpPr>
-          <p:cNvPr id="5" name="Footer Placeholder 4">
-            <a:extLst>
-              <a:ext uri="{FF2B5EF4-FFF2-40B4-BE49-F238E27FC236}">
-                <a16:creationId xmlns:a16="http://schemas.microsoft.com/office/drawing/2014/main" id="{8860F141-F752-4201-B14C-D35A788B75C5}"/>
-              </a:ext>
-            </a:extLst>
-          </p:cNvPr>
+          <p:cNvPr id="5" name="Footer Placeholder 4"/>
           <p:cNvSpPr>
             <a:spLocks noGrp="1"/>
           </p:cNvSpPr>
@@ -899,13 +791,7 @@
       </p:sp>
       <p:sp>
         <p:nvSpPr>
-          <p:cNvPr id="6" name="Slide Number Placeholder 5">
-            <a:extLst>
-              <a:ext uri="{FF2B5EF4-FFF2-40B4-BE49-F238E27FC236}">
-                <a16:creationId xmlns:a16="http://schemas.microsoft.com/office/drawing/2014/main" id="{4651276E-2FC8-4327-835F-F3C4CD9FF635}"/>
-              </a:ext>
-            </a:extLst>
-          </p:cNvPr>
+          <p:cNvPr id="6" name="Slide Number Placeholder 5"/>
           <p:cNvSpPr>
             <a:spLocks noGrp="1"/>
           </p:cNvSpPr>
@@ -929,7 +815,7 @@
     </p:spTree>
     <p:extLst>
       <p:ext uri="{BB962C8B-B14F-4D97-AF65-F5344CB8AC3E}">
-        <p14:creationId xmlns:p14="http://schemas.microsoft.com/office/powerpoint/2010/main" val="3046221713"/>
+        <p14:creationId xmlns:p14="http://schemas.microsoft.com/office/powerpoint/2010/main" val="2318103756"/>
       </p:ext>
     </p:extLst>
   </p:cSld>
@@ -958,13 +844,7 @@
       </p:grpSpPr>
       <p:sp>
         <p:nvSpPr>
-          <p:cNvPr id="2" name="Title 1">
-            <a:extLst>
-              <a:ext uri="{FF2B5EF4-FFF2-40B4-BE49-F238E27FC236}">
-                <a16:creationId xmlns:a16="http://schemas.microsoft.com/office/drawing/2014/main" id="{AF7BE228-B838-46F0-B100-831635D9D54D}"/>
-              </a:ext>
-            </a:extLst>
-          </p:cNvPr>
+          <p:cNvPr id="2" name="Title 1"/>
           <p:cNvSpPr>
             <a:spLocks noGrp="1"/>
           </p:cNvSpPr>
@@ -974,8 +854,8 @@
         </p:nvSpPr>
         <p:spPr>
           <a:xfrm>
-            <a:off x="831850" y="1709738"/>
-            <a:ext cx="10515600" cy="2852737"/>
+            <a:off x="1228170" y="1709739"/>
+            <a:ext cx="15525572" cy="2852737"/>
           </a:xfrm>
         </p:spPr>
         <p:txBody>
@@ -990,19 +870,13 @@
               <a:rPr lang="en-US"/>
               <a:t>Click to edit Master title style</a:t>
             </a:r>
-            <a:endParaRPr lang="en-CA"/>
-          </a:p>
-        </p:txBody>
-      </p:sp>
-      <p:sp>
-        <p:nvSpPr>
-          <p:cNvPr id="3" name="Text Placeholder 2">
-            <a:extLst>
-              <a:ext uri="{FF2B5EF4-FFF2-40B4-BE49-F238E27FC236}">
-                <a16:creationId xmlns:a16="http://schemas.microsoft.com/office/drawing/2014/main" id="{997541A7-7245-48E9-A2E9-EB2E907AF9D2}"/>
-              </a:ext>
-            </a:extLst>
-          </p:cNvPr>
+            <a:endParaRPr lang="en-US" dirty="0"/>
+          </a:p>
+        </p:txBody>
+      </p:sp>
+      <p:sp>
+        <p:nvSpPr>
+          <p:cNvPr id="3" name="Text Placeholder 2"/>
           <p:cNvSpPr>
             <a:spLocks noGrp="1"/>
           </p:cNvSpPr>
@@ -1012,8 +886,8 @@
         </p:nvSpPr>
         <p:spPr>
           <a:xfrm>
-            <a:off x="831850" y="4589463"/>
-            <a:ext cx="10515600" cy="1500187"/>
+            <a:off x="1228170" y="4589464"/>
+            <a:ext cx="15525572" cy="1500187"/>
           </a:xfrm>
         </p:spPr>
         <p:txBody>
@@ -1121,13 +995,7 @@
       </p:sp>
       <p:sp>
         <p:nvSpPr>
-          <p:cNvPr id="4" name="Date Placeholder 3">
-            <a:extLst>
-              <a:ext uri="{FF2B5EF4-FFF2-40B4-BE49-F238E27FC236}">
-                <a16:creationId xmlns:a16="http://schemas.microsoft.com/office/drawing/2014/main" id="{5F635CFB-D04F-4CD6-81AF-90E9036BE6F5}"/>
-              </a:ext>
-            </a:extLst>
-          </p:cNvPr>
+          <p:cNvPr id="4" name="Date Placeholder 3"/>
           <p:cNvSpPr>
             <a:spLocks noGrp="1"/>
           </p:cNvSpPr>
@@ -1142,7 +1010,7 @@
           <a:p>
             <a:fld id="{38D9F8AA-6EA7-473A-9C43-49057B4516F6}" type="datetimeFigureOut">
               <a:rPr lang="en-CA" smtClean="0"/>
-              <a:t>2018-07-10</a:t>
+              <a:t>2018-07-11</a:t>
             </a:fld>
             <a:endParaRPr lang="en-CA"/>
           </a:p>
@@ -1150,13 +1018,7 @@
       </p:sp>
       <p:sp>
         <p:nvSpPr>
-          <p:cNvPr id="5" name="Footer Placeholder 4">
-            <a:extLst>
-              <a:ext uri="{FF2B5EF4-FFF2-40B4-BE49-F238E27FC236}">
-                <a16:creationId xmlns:a16="http://schemas.microsoft.com/office/drawing/2014/main" id="{295B3573-5059-4BAC-88E1-0CC2475DB218}"/>
-              </a:ext>
-            </a:extLst>
-          </p:cNvPr>
+          <p:cNvPr id="5" name="Footer Placeholder 4"/>
           <p:cNvSpPr>
             <a:spLocks noGrp="1"/>
           </p:cNvSpPr>
@@ -1175,13 +1037,7 @@
       </p:sp>
       <p:sp>
         <p:nvSpPr>
-          <p:cNvPr id="6" name="Slide Number Placeholder 5">
-            <a:extLst>
-              <a:ext uri="{FF2B5EF4-FFF2-40B4-BE49-F238E27FC236}">
-                <a16:creationId xmlns:a16="http://schemas.microsoft.com/office/drawing/2014/main" id="{C0B46B4A-6F79-4EA6-ABB6-2991D29320EA}"/>
-              </a:ext>
-            </a:extLst>
-          </p:cNvPr>
+          <p:cNvPr id="6" name="Slide Number Placeholder 5"/>
           <p:cNvSpPr>
             <a:spLocks noGrp="1"/>
           </p:cNvSpPr>
@@ -1205,7 +1061,7 @@
     </p:spTree>
     <p:extLst>
       <p:ext uri="{BB962C8B-B14F-4D97-AF65-F5344CB8AC3E}">
-        <p14:creationId xmlns:p14="http://schemas.microsoft.com/office/powerpoint/2010/main" val="1162996524"/>
+        <p14:creationId xmlns:p14="http://schemas.microsoft.com/office/powerpoint/2010/main" val="1552981894"/>
       </p:ext>
     </p:extLst>
   </p:cSld>
@@ -1234,13 +1090,7 @@
       </p:grpSpPr>
       <p:sp>
         <p:nvSpPr>
-          <p:cNvPr id="2" name="Title 1">
-            <a:extLst>
-              <a:ext uri="{FF2B5EF4-FFF2-40B4-BE49-F238E27FC236}">
-                <a16:creationId xmlns:a16="http://schemas.microsoft.com/office/drawing/2014/main" id="{7F62919E-CC51-42AA-B3FC-C292C218549C}"/>
-              </a:ext>
-            </a:extLst>
-          </p:cNvPr>
+          <p:cNvPr id="2" name="Title 1"/>
           <p:cNvSpPr>
             <a:spLocks noGrp="1"/>
           </p:cNvSpPr>
@@ -1257,19 +1107,13 @@
               <a:rPr lang="en-US"/>
               <a:t>Click to edit Master title style</a:t>
             </a:r>
-            <a:endParaRPr lang="en-CA"/>
-          </a:p>
-        </p:txBody>
-      </p:sp>
-      <p:sp>
-        <p:nvSpPr>
-          <p:cNvPr id="3" name="Content Placeholder 2">
-            <a:extLst>
-              <a:ext uri="{FF2B5EF4-FFF2-40B4-BE49-F238E27FC236}">
-                <a16:creationId xmlns:a16="http://schemas.microsoft.com/office/drawing/2014/main" id="{980F4641-1C8B-4723-B804-892656772D2B}"/>
-              </a:ext>
-            </a:extLst>
-          </p:cNvPr>
+            <a:endParaRPr lang="en-US" dirty="0"/>
+          </a:p>
+        </p:txBody>
+      </p:sp>
+      <p:sp>
+        <p:nvSpPr>
+          <p:cNvPr id="3" name="Content Placeholder 2"/>
           <p:cNvSpPr>
             <a:spLocks noGrp="1"/>
           </p:cNvSpPr>
@@ -1279,8 +1123,8 @@
         </p:nvSpPr>
         <p:spPr>
           <a:xfrm>
-            <a:off x="838200" y="1825625"/>
-            <a:ext cx="5181600" cy="4351338"/>
+            <a:off x="1237545" y="1825625"/>
+            <a:ext cx="7650282" cy="4351338"/>
           </a:xfrm>
         </p:spPr>
         <p:txBody>
@@ -1320,19 +1164,13 @@
               <a:rPr lang="en-US"/>
               <a:t>Fifth level</a:t>
             </a:r>
-            <a:endParaRPr lang="en-CA"/>
-          </a:p>
-        </p:txBody>
-      </p:sp>
-      <p:sp>
-        <p:nvSpPr>
-          <p:cNvPr id="4" name="Content Placeholder 3">
-            <a:extLst>
-              <a:ext uri="{FF2B5EF4-FFF2-40B4-BE49-F238E27FC236}">
-                <a16:creationId xmlns:a16="http://schemas.microsoft.com/office/drawing/2014/main" id="{55DCE4E7-CEF0-4A13-AB34-E5D526626C8A}"/>
-              </a:ext>
-            </a:extLst>
-          </p:cNvPr>
+            <a:endParaRPr lang="en-US" dirty="0"/>
+          </a:p>
+        </p:txBody>
+      </p:sp>
+      <p:sp>
+        <p:nvSpPr>
+          <p:cNvPr id="4" name="Content Placeholder 3"/>
           <p:cNvSpPr>
             <a:spLocks noGrp="1"/>
           </p:cNvSpPr>
@@ -1342,8 +1180,8 @@
         </p:nvSpPr>
         <p:spPr>
           <a:xfrm>
-            <a:off x="6172200" y="1825625"/>
-            <a:ext cx="5181600" cy="4351338"/>
+            <a:off x="9112836" y="1825625"/>
+            <a:ext cx="7650282" cy="4351338"/>
           </a:xfrm>
         </p:spPr>
         <p:txBody>
@@ -1383,19 +1221,13 @@
               <a:rPr lang="en-US"/>
               <a:t>Fifth level</a:t>
             </a:r>
-            <a:endParaRPr lang="en-CA"/>
-          </a:p>
-        </p:txBody>
-      </p:sp>
-      <p:sp>
-        <p:nvSpPr>
-          <p:cNvPr id="5" name="Date Placeholder 4">
-            <a:extLst>
-              <a:ext uri="{FF2B5EF4-FFF2-40B4-BE49-F238E27FC236}">
-                <a16:creationId xmlns:a16="http://schemas.microsoft.com/office/drawing/2014/main" id="{9F4C6A5A-A4BD-43D0-894E-B8D2721F356A}"/>
-              </a:ext>
-            </a:extLst>
-          </p:cNvPr>
+            <a:endParaRPr lang="en-US" dirty="0"/>
+          </a:p>
+        </p:txBody>
+      </p:sp>
+      <p:sp>
+        <p:nvSpPr>
+          <p:cNvPr id="5" name="Date Placeholder 4"/>
           <p:cNvSpPr>
             <a:spLocks noGrp="1"/>
           </p:cNvSpPr>
@@ -1410,7 +1242,7 @@
           <a:p>
             <a:fld id="{38D9F8AA-6EA7-473A-9C43-49057B4516F6}" type="datetimeFigureOut">
               <a:rPr lang="en-CA" smtClean="0"/>
-              <a:t>2018-07-10</a:t>
+              <a:t>2018-07-11</a:t>
             </a:fld>
             <a:endParaRPr lang="en-CA"/>
           </a:p>
@@ -1418,13 +1250,7 @@
       </p:sp>
       <p:sp>
         <p:nvSpPr>
-          <p:cNvPr id="6" name="Footer Placeholder 5">
-            <a:extLst>
-              <a:ext uri="{FF2B5EF4-FFF2-40B4-BE49-F238E27FC236}">
-                <a16:creationId xmlns:a16="http://schemas.microsoft.com/office/drawing/2014/main" id="{8A7477F5-4775-4CE2-B3D0-4F82ABF77A29}"/>
-              </a:ext>
-            </a:extLst>
-          </p:cNvPr>
+          <p:cNvPr id="6" name="Footer Placeholder 5"/>
           <p:cNvSpPr>
             <a:spLocks noGrp="1"/>
           </p:cNvSpPr>
@@ -1443,13 +1269,7 @@
       </p:sp>
       <p:sp>
         <p:nvSpPr>
-          <p:cNvPr id="7" name="Slide Number Placeholder 6">
-            <a:extLst>
-              <a:ext uri="{FF2B5EF4-FFF2-40B4-BE49-F238E27FC236}">
-                <a16:creationId xmlns:a16="http://schemas.microsoft.com/office/drawing/2014/main" id="{706BF3A7-269D-4934-902E-6BF79836E501}"/>
-              </a:ext>
-            </a:extLst>
-          </p:cNvPr>
+          <p:cNvPr id="7" name="Slide Number Placeholder 6"/>
           <p:cNvSpPr>
             <a:spLocks noGrp="1"/>
           </p:cNvSpPr>
@@ -1473,7 +1293,7 @@
     </p:spTree>
     <p:extLst>
       <p:ext uri="{BB962C8B-B14F-4D97-AF65-F5344CB8AC3E}">
-        <p14:creationId xmlns:p14="http://schemas.microsoft.com/office/powerpoint/2010/main" val="514620038"/>
+        <p14:creationId xmlns:p14="http://schemas.microsoft.com/office/powerpoint/2010/main" val="600936187"/>
       </p:ext>
     </p:extLst>
   </p:cSld>
@@ -1502,13 +1322,7 @@
       </p:grpSpPr>
       <p:sp>
         <p:nvSpPr>
-          <p:cNvPr id="2" name="Title 1">
-            <a:extLst>
-              <a:ext uri="{FF2B5EF4-FFF2-40B4-BE49-F238E27FC236}">
-                <a16:creationId xmlns:a16="http://schemas.microsoft.com/office/drawing/2014/main" id="{541E1579-BA3F-4E5B-BCCE-D4AED00FD29B}"/>
-              </a:ext>
-            </a:extLst>
-          </p:cNvPr>
+          <p:cNvPr id="2" name="Title 1"/>
           <p:cNvSpPr>
             <a:spLocks noGrp="1"/>
           </p:cNvSpPr>
@@ -1518,8 +1332,8 @@
         </p:nvSpPr>
         <p:spPr>
           <a:xfrm>
-            <a:off x="839788" y="365125"/>
-            <a:ext cx="10515600" cy="1325563"/>
+            <a:off x="1239890" y="365126"/>
+            <a:ext cx="15525572" cy="1325563"/>
           </a:xfrm>
         </p:spPr>
         <p:txBody>
@@ -1530,19 +1344,13 @@
               <a:rPr lang="en-US"/>
               <a:t>Click to edit Master title style</a:t>
             </a:r>
-            <a:endParaRPr lang="en-CA"/>
-          </a:p>
-        </p:txBody>
-      </p:sp>
-      <p:sp>
-        <p:nvSpPr>
-          <p:cNvPr id="3" name="Text Placeholder 2">
-            <a:extLst>
-              <a:ext uri="{FF2B5EF4-FFF2-40B4-BE49-F238E27FC236}">
-                <a16:creationId xmlns:a16="http://schemas.microsoft.com/office/drawing/2014/main" id="{0A50E843-A567-4E66-852F-615AC9D0FE14}"/>
-              </a:ext>
-            </a:extLst>
-          </p:cNvPr>
+            <a:endParaRPr lang="en-US" dirty="0"/>
+          </a:p>
+        </p:txBody>
+      </p:sp>
+      <p:sp>
+        <p:nvSpPr>
+          <p:cNvPr id="3" name="Text Placeholder 2"/>
           <p:cNvSpPr>
             <a:spLocks noGrp="1"/>
           </p:cNvSpPr>
@@ -1552,8 +1360,8 @@
         </p:nvSpPr>
         <p:spPr>
           <a:xfrm>
-            <a:off x="839788" y="1681163"/>
-            <a:ext cx="5157787" cy="823912"/>
+            <a:off x="1239891" y="1681163"/>
+            <a:ext cx="7615123" cy="823912"/>
           </a:xfrm>
         </p:spPr>
         <p:txBody>
@@ -1607,13 +1415,7 @@
       </p:sp>
       <p:sp>
         <p:nvSpPr>
-          <p:cNvPr id="4" name="Content Placeholder 3">
-            <a:extLst>
-              <a:ext uri="{FF2B5EF4-FFF2-40B4-BE49-F238E27FC236}">
-                <a16:creationId xmlns:a16="http://schemas.microsoft.com/office/drawing/2014/main" id="{2043E57C-E4BF-4E0A-96E1-F9D25D51D2F2}"/>
-              </a:ext>
-            </a:extLst>
-          </p:cNvPr>
+          <p:cNvPr id="4" name="Content Placeholder 3"/>
           <p:cNvSpPr>
             <a:spLocks noGrp="1"/>
           </p:cNvSpPr>
@@ -1623,8 +1425,8 @@
         </p:nvSpPr>
         <p:spPr>
           <a:xfrm>
-            <a:off x="839788" y="2505075"/>
-            <a:ext cx="5157787" cy="3684588"/>
+            <a:off x="1239891" y="2505075"/>
+            <a:ext cx="7615123" cy="3684588"/>
           </a:xfrm>
         </p:spPr>
         <p:txBody>
@@ -1664,19 +1466,13 @@
               <a:rPr lang="en-US"/>
               <a:t>Fifth level</a:t>
             </a:r>
-            <a:endParaRPr lang="en-CA"/>
-          </a:p>
-        </p:txBody>
-      </p:sp>
-      <p:sp>
-        <p:nvSpPr>
-          <p:cNvPr id="5" name="Text Placeholder 4">
-            <a:extLst>
-              <a:ext uri="{FF2B5EF4-FFF2-40B4-BE49-F238E27FC236}">
-                <a16:creationId xmlns:a16="http://schemas.microsoft.com/office/drawing/2014/main" id="{FFBDB99D-C9D0-4E22-B673-5D9DC367B4BC}"/>
-              </a:ext>
-            </a:extLst>
-          </p:cNvPr>
+            <a:endParaRPr lang="en-US" dirty="0"/>
+          </a:p>
+        </p:txBody>
+      </p:sp>
+      <p:sp>
+        <p:nvSpPr>
+          <p:cNvPr id="5" name="Text Placeholder 4"/>
           <p:cNvSpPr>
             <a:spLocks noGrp="1"/>
           </p:cNvSpPr>
@@ -1686,8 +1482,8 @@
         </p:nvSpPr>
         <p:spPr>
           <a:xfrm>
-            <a:off x="6172200" y="1681163"/>
-            <a:ext cx="5183188" cy="823912"/>
+            <a:off x="9112836" y="1681163"/>
+            <a:ext cx="7652626" cy="823912"/>
           </a:xfrm>
         </p:spPr>
         <p:txBody>
@@ -1741,13 +1537,7 @@
       </p:sp>
       <p:sp>
         <p:nvSpPr>
-          <p:cNvPr id="6" name="Content Placeholder 5">
-            <a:extLst>
-              <a:ext uri="{FF2B5EF4-FFF2-40B4-BE49-F238E27FC236}">
-                <a16:creationId xmlns:a16="http://schemas.microsoft.com/office/drawing/2014/main" id="{65C26A57-5679-4F1E-B7B8-1EC4A4F9BE21}"/>
-              </a:ext>
-            </a:extLst>
-          </p:cNvPr>
+          <p:cNvPr id="6" name="Content Placeholder 5"/>
           <p:cNvSpPr>
             <a:spLocks noGrp="1"/>
           </p:cNvSpPr>
@@ -1757,8 +1547,8 @@
         </p:nvSpPr>
         <p:spPr>
           <a:xfrm>
-            <a:off x="6172200" y="2505075"/>
-            <a:ext cx="5183188" cy="3684588"/>
+            <a:off x="9112836" y="2505075"/>
+            <a:ext cx="7652626" cy="3684588"/>
           </a:xfrm>
         </p:spPr>
         <p:txBody>
@@ -1798,19 +1588,13 @@
               <a:rPr lang="en-US"/>
               <a:t>Fifth level</a:t>
             </a:r>
-            <a:endParaRPr lang="en-CA"/>
-          </a:p>
-        </p:txBody>
-      </p:sp>
-      <p:sp>
-        <p:nvSpPr>
-          <p:cNvPr id="7" name="Date Placeholder 6">
-            <a:extLst>
-              <a:ext uri="{FF2B5EF4-FFF2-40B4-BE49-F238E27FC236}">
-                <a16:creationId xmlns:a16="http://schemas.microsoft.com/office/drawing/2014/main" id="{EA086117-05B7-4881-A528-1525E746490C}"/>
-              </a:ext>
-            </a:extLst>
-          </p:cNvPr>
+            <a:endParaRPr lang="en-US" dirty="0"/>
+          </a:p>
+        </p:txBody>
+      </p:sp>
+      <p:sp>
+        <p:nvSpPr>
+          <p:cNvPr id="7" name="Date Placeholder 6"/>
           <p:cNvSpPr>
             <a:spLocks noGrp="1"/>
           </p:cNvSpPr>
@@ -1825,7 +1609,7 @@
           <a:p>
             <a:fld id="{38D9F8AA-6EA7-473A-9C43-49057B4516F6}" type="datetimeFigureOut">
               <a:rPr lang="en-CA" smtClean="0"/>
-              <a:t>2018-07-10</a:t>
+              <a:t>2018-07-11</a:t>
             </a:fld>
             <a:endParaRPr lang="en-CA"/>
           </a:p>
@@ -1833,13 +1617,7 @@
       </p:sp>
       <p:sp>
         <p:nvSpPr>
-          <p:cNvPr id="8" name="Footer Placeholder 7">
-            <a:extLst>
-              <a:ext uri="{FF2B5EF4-FFF2-40B4-BE49-F238E27FC236}">
-                <a16:creationId xmlns:a16="http://schemas.microsoft.com/office/drawing/2014/main" id="{1BE1D006-B627-4E81-A431-B4D7E01CA5E1}"/>
-              </a:ext>
-            </a:extLst>
-          </p:cNvPr>
+          <p:cNvPr id="8" name="Footer Placeholder 7"/>
           <p:cNvSpPr>
             <a:spLocks noGrp="1"/>
           </p:cNvSpPr>
@@ -1858,13 +1636,7 @@
       </p:sp>
       <p:sp>
         <p:nvSpPr>
-          <p:cNvPr id="9" name="Slide Number Placeholder 8">
-            <a:extLst>
-              <a:ext uri="{FF2B5EF4-FFF2-40B4-BE49-F238E27FC236}">
-                <a16:creationId xmlns:a16="http://schemas.microsoft.com/office/drawing/2014/main" id="{585F77FC-1C10-45A9-AF6D-2AC1BA6FB147}"/>
-              </a:ext>
-            </a:extLst>
-          </p:cNvPr>
+          <p:cNvPr id="9" name="Slide Number Placeholder 8"/>
           <p:cNvSpPr>
             <a:spLocks noGrp="1"/>
           </p:cNvSpPr>
@@ -1888,7 +1660,7 @@
     </p:spTree>
     <p:extLst>
       <p:ext uri="{BB962C8B-B14F-4D97-AF65-F5344CB8AC3E}">
-        <p14:creationId xmlns:p14="http://schemas.microsoft.com/office/powerpoint/2010/main" val="1435728673"/>
+        <p14:creationId xmlns:p14="http://schemas.microsoft.com/office/powerpoint/2010/main" val="271449778"/>
       </p:ext>
     </p:extLst>
   </p:cSld>
@@ -1917,13 +1689,7 @@
       </p:grpSpPr>
       <p:sp>
         <p:nvSpPr>
-          <p:cNvPr id="2" name="Title 1">
-            <a:extLst>
-              <a:ext uri="{FF2B5EF4-FFF2-40B4-BE49-F238E27FC236}">
-                <a16:creationId xmlns:a16="http://schemas.microsoft.com/office/drawing/2014/main" id="{631FEFD1-1407-455D-931C-2CF6D6103D90}"/>
-              </a:ext>
-            </a:extLst>
-          </p:cNvPr>
+          <p:cNvPr id="2" name="Title 1"/>
           <p:cNvSpPr>
             <a:spLocks noGrp="1"/>
           </p:cNvSpPr>
@@ -1940,19 +1706,13 @@
               <a:rPr lang="en-US"/>
               <a:t>Click to edit Master title style</a:t>
             </a:r>
-            <a:endParaRPr lang="en-CA"/>
-          </a:p>
-        </p:txBody>
-      </p:sp>
-      <p:sp>
-        <p:nvSpPr>
-          <p:cNvPr id="3" name="Date Placeholder 2">
-            <a:extLst>
-              <a:ext uri="{FF2B5EF4-FFF2-40B4-BE49-F238E27FC236}">
-                <a16:creationId xmlns:a16="http://schemas.microsoft.com/office/drawing/2014/main" id="{741AF51C-ECCE-40A7-973D-C89CC980C3FE}"/>
-              </a:ext>
-            </a:extLst>
-          </p:cNvPr>
+            <a:endParaRPr lang="en-US" dirty="0"/>
+          </a:p>
+        </p:txBody>
+      </p:sp>
+      <p:sp>
+        <p:nvSpPr>
+          <p:cNvPr id="3" name="Date Placeholder 2"/>
           <p:cNvSpPr>
             <a:spLocks noGrp="1"/>
           </p:cNvSpPr>
@@ -1967,7 +1727,7 @@
           <a:p>
             <a:fld id="{38D9F8AA-6EA7-473A-9C43-49057B4516F6}" type="datetimeFigureOut">
               <a:rPr lang="en-CA" smtClean="0"/>
-              <a:t>2018-07-10</a:t>
+              <a:t>2018-07-11</a:t>
             </a:fld>
             <a:endParaRPr lang="en-CA"/>
           </a:p>
@@ -1975,13 +1735,7 @@
       </p:sp>
       <p:sp>
         <p:nvSpPr>
-          <p:cNvPr id="4" name="Footer Placeholder 3">
-            <a:extLst>
-              <a:ext uri="{FF2B5EF4-FFF2-40B4-BE49-F238E27FC236}">
-                <a16:creationId xmlns:a16="http://schemas.microsoft.com/office/drawing/2014/main" id="{155B96DD-7110-4B29-87EB-E7708834F7E2}"/>
-              </a:ext>
-            </a:extLst>
-          </p:cNvPr>
+          <p:cNvPr id="4" name="Footer Placeholder 3"/>
           <p:cNvSpPr>
             <a:spLocks noGrp="1"/>
           </p:cNvSpPr>
@@ -2000,13 +1754,7 @@
       </p:sp>
       <p:sp>
         <p:nvSpPr>
-          <p:cNvPr id="5" name="Slide Number Placeholder 4">
-            <a:extLst>
-              <a:ext uri="{FF2B5EF4-FFF2-40B4-BE49-F238E27FC236}">
-                <a16:creationId xmlns:a16="http://schemas.microsoft.com/office/drawing/2014/main" id="{956D8BFA-2C4C-4D45-8EEF-236FD3BE4C13}"/>
-              </a:ext>
-            </a:extLst>
-          </p:cNvPr>
+          <p:cNvPr id="5" name="Slide Number Placeholder 4"/>
           <p:cNvSpPr>
             <a:spLocks noGrp="1"/>
           </p:cNvSpPr>
@@ -2030,7 +1778,7 @@
     </p:spTree>
     <p:extLst>
       <p:ext uri="{BB962C8B-B14F-4D97-AF65-F5344CB8AC3E}">
-        <p14:creationId xmlns:p14="http://schemas.microsoft.com/office/powerpoint/2010/main" val="4173667992"/>
+        <p14:creationId xmlns:p14="http://schemas.microsoft.com/office/powerpoint/2010/main" val="190814769"/>
       </p:ext>
     </p:extLst>
   </p:cSld>
@@ -2059,13 +1807,7 @@
       </p:grpSpPr>
       <p:sp>
         <p:nvSpPr>
-          <p:cNvPr id="2" name="Date Placeholder 1">
-            <a:extLst>
-              <a:ext uri="{FF2B5EF4-FFF2-40B4-BE49-F238E27FC236}">
-                <a16:creationId xmlns:a16="http://schemas.microsoft.com/office/drawing/2014/main" id="{4E7527C9-2F66-42DE-A355-8CFE1B450AA8}"/>
-              </a:ext>
-            </a:extLst>
-          </p:cNvPr>
+          <p:cNvPr id="2" name="Date Placeholder 1"/>
           <p:cNvSpPr>
             <a:spLocks noGrp="1"/>
           </p:cNvSpPr>
@@ -2080,7 +1822,7 @@
           <a:p>
             <a:fld id="{38D9F8AA-6EA7-473A-9C43-49057B4516F6}" type="datetimeFigureOut">
               <a:rPr lang="en-CA" smtClean="0"/>
-              <a:t>2018-07-10</a:t>
+              <a:t>2018-07-11</a:t>
             </a:fld>
             <a:endParaRPr lang="en-CA"/>
           </a:p>
@@ -2088,13 +1830,7 @@
       </p:sp>
       <p:sp>
         <p:nvSpPr>
-          <p:cNvPr id="3" name="Footer Placeholder 2">
-            <a:extLst>
-              <a:ext uri="{FF2B5EF4-FFF2-40B4-BE49-F238E27FC236}">
-                <a16:creationId xmlns:a16="http://schemas.microsoft.com/office/drawing/2014/main" id="{FE7101AF-4A65-4870-8521-A702DB45430E}"/>
-              </a:ext>
-            </a:extLst>
-          </p:cNvPr>
+          <p:cNvPr id="3" name="Footer Placeholder 2"/>
           <p:cNvSpPr>
             <a:spLocks noGrp="1"/>
           </p:cNvSpPr>
@@ -2113,13 +1849,7 @@
       </p:sp>
       <p:sp>
         <p:nvSpPr>
-          <p:cNvPr id="4" name="Slide Number Placeholder 3">
-            <a:extLst>
-              <a:ext uri="{FF2B5EF4-FFF2-40B4-BE49-F238E27FC236}">
-                <a16:creationId xmlns:a16="http://schemas.microsoft.com/office/drawing/2014/main" id="{C9B8C757-ADCB-4C5A-A440-0D71F52226E2}"/>
-              </a:ext>
-            </a:extLst>
-          </p:cNvPr>
+          <p:cNvPr id="4" name="Slide Number Placeholder 3"/>
           <p:cNvSpPr>
             <a:spLocks noGrp="1"/>
           </p:cNvSpPr>
@@ -2143,7 +1873,7 @@
     </p:spTree>
     <p:extLst>
       <p:ext uri="{BB962C8B-B14F-4D97-AF65-F5344CB8AC3E}">
-        <p14:creationId xmlns:p14="http://schemas.microsoft.com/office/powerpoint/2010/main" val="2573534052"/>
+        <p14:creationId xmlns:p14="http://schemas.microsoft.com/office/powerpoint/2010/main" val="1283574566"/>
       </p:ext>
     </p:extLst>
   </p:cSld>
@@ -2172,13 +1902,7 @@
       </p:grpSpPr>
       <p:sp>
         <p:nvSpPr>
-          <p:cNvPr id="2" name="Title 1">
-            <a:extLst>
-              <a:ext uri="{FF2B5EF4-FFF2-40B4-BE49-F238E27FC236}">
-                <a16:creationId xmlns:a16="http://schemas.microsoft.com/office/drawing/2014/main" id="{7D7E8110-1F97-496A-9BF0-BB842E09AB2A}"/>
-              </a:ext>
-            </a:extLst>
-          </p:cNvPr>
+          <p:cNvPr id="2" name="Title 1"/>
           <p:cNvSpPr>
             <a:spLocks noGrp="1"/>
           </p:cNvSpPr>
@@ -2188,8 +1912,8 @@
         </p:nvSpPr>
         <p:spPr>
           <a:xfrm>
-            <a:off x="839788" y="457200"/>
-            <a:ext cx="3932237" cy="1600200"/>
+            <a:off x="1239891" y="457200"/>
+            <a:ext cx="5805682" cy="1600200"/>
           </a:xfrm>
         </p:spPr>
         <p:txBody>
@@ -2204,19 +1928,13 @@
               <a:rPr lang="en-US"/>
               <a:t>Click to edit Master title style</a:t>
             </a:r>
-            <a:endParaRPr lang="en-CA"/>
-          </a:p>
-        </p:txBody>
-      </p:sp>
-      <p:sp>
-        <p:nvSpPr>
-          <p:cNvPr id="3" name="Content Placeholder 2">
-            <a:extLst>
-              <a:ext uri="{FF2B5EF4-FFF2-40B4-BE49-F238E27FC236}">
-                <a16:creationId xmlns:a16="http://schemas.microsoft.com/office/drawing/2014/main" id="{D9BC1D75-EE3C-4850-8670-5B30A84F3AFF}"/>
-              </a:ext>
-            </a:extLst>
-          </p:cNvPr>
+            <a:endParaRPr lang="en-US" dirty="0"/>
+          </a:p>
+        </p:txBody>
+      </p:sp>
+      <p:sp>
+        <p:nvSpPr>
+          <p:cNvPr id="3" name="Content Placeholder 2"/>
           <p:cNvSpPr>
             <a:spLocks noGrp="1"/>
           </p:cNvSpPr>
@@ -2226,8 +1944,8 @@
         </p:nvSpPr>
         <p:spPr>
           <a:xfrm>
-            <a:off x="5183188" y="987425"/>
-            <a:ext cx="6172200" cy="4873625"/>
+            <a:off x="7652626" y="987426"/>
+            <a:ext cx="9112836" cy="4873625"/>
           </a:xfrm>
         </p:spPr>
         <p:txBody>
@@ -2295,19 +2013,13 @@
               <a:rPr lang="en-US"/>
               <a:t>Fifth level</a:t>
             </a:r>
-            <a:endParaRPr lang="en-CA"/>
-          </a:p>
-        </p:txBody>
-      </p:sp>
-      <p:sp>
-        <p:nvSpPr>
-          <p:cNvPr id="4" name="Text Placeholder 3">
-            <a:extLst>
-              <a:ext uri="{FF2B5EF4-FFF2-40B4-BE49-F238E27FC236}">
-                <a16:creationId xmlns:a16="http://schemas.microsoft.com/office/drawing/2014/main" id="{8B9D1715-7D13-4079-A2FA-916A1A7E8CF7}"/>
-              </a:ext>
-            </a:extLst>
-          </p:cNvPr>
+            <a:endParaRPr lang="en-US" dirty="0"/>
+          </a:p>
+        </p:txBody>
+      </p:sp>
+      <p:sp>
+        <p:nvSpPr>
+          <p:cNvPr id="4" name="Text Placeholder 3"/>
           <p:cNvSpPr>
             <a:spLocks noGrp="1"/>
           </p:cNvSpPr>
@@ -2317,8 +2029,8 @@
         </p:nvSpPr>
         <p:spPr>
           <a:xfrm>
-            <a:off x="839788" y="2057400"/>
-            <a:ext cx="3932237" cy="3811588"/>
+            <a:off x="1239891" y="2057400"/>
+            <a:ext cx="5805682" cy="3811588"/>
           </a:xfrm>
         </p:spPr>
         <p:txBody>
@@ -2372,13 +2084,7 @@
       </p:sp>
       <p:sp>
         <p:nvSpPr>
-          <p:cNvPr id="5" name="Date Placeholder 4">
-            <a:extLst>
-              <a:ext uri="{FF2B5EF4-FFF2-40B4-BE49-F238E27FC236}">
-                <a16:creationId xmlns:a16="http://schemas.microsoft.com/office/drawing/2014/main" id="{77AAB08F-5A75-43E8-926C-F7A5C6085E44}"/>
-              </a:ext>
-            </a:extLst>
-          </p:cNvPr>
+          <p:cNvPr id="5" name="Date Placeholder 4"/>
           <p:cNvSpPr>
             <a:spLocks noGrp="1"/>
           </p:cNvSpPr>
@@ -2393,7 +2099,7 @@
           <a:p>
             <a:fld id="{38D9F8AA-6EA7-473A-9C43-49057B4516F6}" type="datetimeFigureOut">
               <a:rPr lang="en-CA" smtClean="0"/>
-              <a:t>2018-07-10</a:t>
+              <a:t>2018-07-11</a:t>
             </a:fld>
             <a:endParaRPr lang="en-CA"/>
           </a:p>
@@ -2401,13 +2107,7 @@
       </p:sp>
       <p:sp>
         <p:nvSpPr>
-          <p:cNvPr id="6" name="Footer Placeholder 5">
-            <a:extLst>
-              <a:ext uri="{FF2B5EF4-FFF2-40B4-BE49-F238E27FC236}">
-                <a16:creationId xmlns:a16="http://schemas.microsoft.com/office/drawing/2014/main" id="{8E0CEC8B-7DD9-46C9-93A7-D9D5AEA757D5}"/>
-              </a:ext>
-            </a:extLst>
-          </p:cNvPr>
+          <p:cNvPr id="6" name="Footer Placeholder 5"/>
           <p:cNvSpPr>
             <a:spLocks noGrp="1"/>
           </p:cNvSpPr>
@@ -2426,13 +2126,7 @@
       </p:sp>
       <p:sp>
         <p:nvSpPr>
-          <p:cNvPr id="7" name="Slide Number Placeholder 6">
-            <a:extLst>
-              <a:ext uri="{FF2B5EF4-FFF2-40B4-BE49-F238E27FC236}">
-                <a16:creationId xmlns:a16="http://schemas.microsoft.com/office/drawing/2014/main" id="{E1EDD14E-6FCB-4FB0-89B7-B0881A1C4FFA}"/>
-              </a:ext>
-            </a:extLst>
-          </p:cNvPr>
+          <p:cNvPr id="7" name="Slide Number Placeholder 6"/>
           <p:cNvSpPr>
             <a:spLocks noGrp="1"/>
           </p:cNvSpPr>
@@ -2456,7 +2150,7 @@
     </p:spTree>
     <p:extLst>
       <p:ext uri="{BB962C8B-B14F-4D97-AF65-F5344CB8AC3E}">
-        <p14:creationId xmlns:p14="http://schemas.microsoft.com/office/powerpoint/2010/main" val="1111977802"/>
+        <p14:creationId xmlns:p14="http://schemas.microsoft.com/office/powerpoint/2010/main" val="3209763154"/>
       </p:ext>
     </p:extLst>
   </p:cSld>
@@ -2485,13 +2179,7 @@
       </p:grpSpPr>
       <p:sp>
         <p:nvSpPr>
-          <p:cNvPr id="2" name="Title 1">
-            <a:extLst>
-              <a:ext uri="{FF2B5EF4-FFF2-40B4-BE49-F238E27FC236}">
-                <a16:creationId xmlns:a16="http://schemas.microsoft.com/office/drawing/2014/main" id="{B0D516AC-3FBC-4673-B18B-AC9E04141BC0}"/>
-              </a:ext>
-            </a:extLst>
-          </p:cNvPr>
+          <p:cNvPr id="2" name="Title 1"/>
           <p:cNvSpPr>
             <a:spLocks noGrp="1"/>
           </p:cNvSpPr>
@@ -2501,8 +2189,8 @@
         </p:nvSpPr>
         <p:spPr>
           <a:xfrm>
-            <a:off x="839788" y="457200"/>
-            <a:ext cx="3932237" cy="1600200"/>
+            <a:off x="1239891" y="457200"/>
+            <a:ext cx="5805682" cy="1600200"/>
           </a:xfrm>
         </p:spPr>
         <p:txBody>
@@ -2517,21 +2205,15 @@
               <a:rPr lang="en-US"/>
               <a:t>Click to edit Master title style</a:t>
             </a:r>
-            <a:endParaRPr lang="en-CA"/>
-          </a:p>
-        </p:txBody>
-      </p:sp>
-      <p:sp>
-        <p:nvSpPr>
-          <p:cNvPr id="3" name="Picture Placeholder 2">
-            <a:extLst>
-              <a:ext uri="{FF2B5EF4-FFF2-40B4-BE49-F238E27FC236}">
-                <a16:creationId xmlns:a16="http://schemas.microsoft.com/office/drawing/2014/main" id="{B0B7E189-8FBC-4F95-9D58-BF8DD8FF404A}"/>
-              </a:ext>
-            </a:extLst>
-          </p:cNvPr>
-          <p:cNvSpPr>
-            <a:spLocks noGrp="1"/>
+            <a:endParaRPr lang="en-US" dirty="0"/>
+          </a:p>
+        </p:txBody>
+      </p:sp>
+      <p:sp>
+        <p:nvSpPr>
+          <p:cNvPr id="3" name="Picture Placeholder 2"/>
+          <p:cNvSpPr>
+            <a:spLocks noGrp="1" noChangeAspect="1"/>
           </p:cNvSpPr>
           <p:nvPr>
             <p:ph type="pic" idx="1"/>
@@ -2539,12 +2221,12 @@
         </p:nvSpPr>
         <p:spPr>
           <a:xfrm>
-            <a:off x="5183188" y="987425"/>
-            <a:ext cx="6172200" cy="4873625"/>
+            <a:off x="7652626" y="987426"/>
+            <a:ext cx="9112836" cy="4873625"/>
           </a:xfrm>
         </p:spPr>
         <p:txBody>
-          <a:bodyPr/>
+          <a:bodyPr anchor="t"/>
           <a:lstStyle>
             <a:lvl1pPr marL="0" indent="0">
               <a:buNone/>
@@ -2584,19 +2266,17 @@
             </a:lvl9pPr>
           </a:lstStyle>
           <a:p>
-            <a:endParaRPr lang="en-CA"/>
-          </a:p>
-        </p:txBody>
-      </p:sp>
-      <p:sp>
-        <p:nvSpPr>
-          <p:cNvPr id="4" name="Text Placeholder 3">
-            <a:extLst>
-              <a:ext uri="{FF2B5EF4-FFF2-40B4-BE49-F238E27FC236}">
-                <a16:creationId xmlns:a16="http://schemas.microsoft.com/office/drawing/2014/main" id="{7810232E-DC2E-40F8-B61C-7D650DAAE4A0}"/>
-              </a:ext>
-            </a:extLst>
-          </p:cNvPr>
+            <a:r>
+              <a:rPr lang="en-US"/>
+              <a:t>Click icon to add picture</a:t>
+            </a:r>
+            <a:endParaRPr lang="en-US" dirty="0"/>
+          </a:p>
+        </p:txBody>
+      </p:sp>
+      <p:sp>
+        <p:nvSpPr>
+          <p:cNvPr id="4" name="Text Placeholder 3"/>
           <p:cNvSpPr>
             <a:spLocks noGrp="1"/>
           </p:cNvSpPr>
@@ -2606,8 +2286,8 @@
         </p:nvSpPr>
         <p:spPr>
           <a:xfrm>
-            <a:off x="839788" y="2057400"/>
-            <a:ext cx="3932237" cy="3811588"/>
+            <a:off x="1239891" y="2057400"/>
+            <a:ext cx="5805682" cy="3811588"/>
           </a:xfrm>
         </p:spPr>
         <p:txBody>
@@ -2661,13 +2341,7 @@
       </p:sp>
       <p:sp>
         <p:nvSpPr>
-          <p:cNvPr id="5" name="Date Placeholder 4">
-            <a:extLst>
-              <a:ext uri="{FF2B5EF4-FFF2-40B4-BE49-F238E27FC236}">
-                <a16:creationId xmlns:a16="http://schemas.microsoft.com/office/drawing/2014/main" id="{8D6E8DCE-2BF0-4911-83F1-6AC93FD8D601}"/>
-              </a:ext>
-            </a:extLst>
-          </p:cNvPr>
+          <p:cNvPr id="5" name="Date Placeholder 4"/>
           <p:cNvSpPr>
             <a:spLocks noGrp="1"/>
           </p:cNvSpPr>
@@ -2682,7 +2356,7 @@
           <a:p>
             <a:fld id="{38D9F8AA-6EA7-473A-9C43-49057B4516F6}" type="datetimeFigureOut">
               <a:rPr lang="en-CA" smtClean="0"/>
-              <a:t>2018-07-10</a:t>
+              <a:t>2018-07-11</a:t>
             </a:fld>
             <a:endParaRPr lang="en-CA"/>
           </a:p>
@@ -2690,13 +2364,7 @@
       </p:sp>
       <p:sp>
         <p:nvSpPr>
-          <p:cNvPr id="6" name="Footer Placeholder 5">
-            <a:extLst>
-              <a:ext uri="{FF2B5EF4-FFF2-40B4-BE49-F238E27FC236}">
-                <a16:creationId xmlns:a16="http://schemas.microsoft.com/office/drawing/2014/main" id="{D0C9AD25-5A21-4F06-ACEE-5DD7427515EC}"/>
-              </a:ext>
-            </a:extLst>
-          </p:cNvPr>
+          <p:cNvPr id="6" name="Footer Placeholder 5"/>
           <p:cNvSpPr>
             <a:spLocks noGrp="1"/>
           </p:cNvSpPr>
@@ -2715,13 +2383,7 @@
       </p:sp>
       <p:sp>
         <p:nvSpPr>
-          <p:cNvPr id="7" name="Slide Number Placeholder 6">
-            <a:extLst>
-              <a:ext uri="{FF2B5EF4-FFF2-40B4-BE49-F238E27FC236}">
-                <a16:creationId xmlns:a16="http://schemas.microsoft.com/office/drawing/2014/main" id="{22FF7D7E-A1F5-474D-A202-20262C6AAAB8}"/>
-              </a:ext>
-            </a:extLst>
-          </p:cNvPr>
+          <p:cNvPr id="7" name="Slide Number Placeholder 6"/>
           <p:cNvSpPr>
             <a:spLocks noGrp="1"/>
           </p:cNvSpPr>
@@ -2745,7 +2407,7 @@
     </p:spTree>
     <p:extLst>
       <p:ext uri="{BB962C8B-B14F-4D97-AF65-F5344CB8AC3E}">
-        <p14:creationId xmlns:p14="http://schemas.microsoft.com/office/powerpoint/2010/main" val="3659141272"/>
+        <p14:creationId xmlns:p14="http://schemas.microsoft.com/office/powerpoint/2010/main" val="1716354790"/>
       </p:ext>
     </p:extLst>
   </p:cSld>
@@ -2779,13 +2441,7 @@
       </p:grpSpPr>
       <p:sp>
         <p:nvSpPr>
-          <p:cNvPr id="2" name="Title Placeholder 1">
-            <a:extLst>
-              <a:ext uri="{FF2B5EF4-FFF2-40B4-BE49-F238E27FC236}">
-                <a16:creationId xmlns:a16="http://schemas.microsoft.com/office/drawing/2014/main" id="{1168D8C8-AC0B-4DE1-AAFC-FDA2780245CE}"/>
-              </a:ext>
-            </a:extLst>
-          </p:cNvPr>
+          <p:cNvPr id="2" name="Title Placeholder 1"/>
           <p:cNvSpPr>
             <a:spLocks noGrp="1"/>
           </p:cNvSpPr>
@@ -2795,8 +2451,8 @@
         </p:nvSpPr>
         <p:spPr>
           <a:xfrm>
-            <a:off x="838200" y="365125"/>
-            <a:ext cx="10515600" cy="1325563"/>
+            <a:off x="1237546" y="365126"/>
+            <a:ext cx="15525572" cy="1325563"/>
           </a:xfrm>
           <a:prstGeom prst="rect">
             <a:avLst/>
@@ -2812,19 +2468,13 @@
               <a:rPr lang="en-US"/>
               <a:t>Click to edit Master title style</a:t>
             </a:r>
-            <a:endParaRPr lang="en-CA"/>
-          </a:p>
-        </p:txBody>
-      </p:sp>
-      <p:sp>
-        <p:nvSpPr>
-          <p:cNvPr id="3" name="Text Placeholder 2">
-            <a:extLst>
-              <a:ext uri="{FF2B5EF4-FFF2-40B4-BE49-F238E27FC236}">
-                <a16:creationId xmlns:a16="http://schemas.microsoft.com/office/drawing/2014/main" id="{FFEEDDDC-87DA-432F-91C9-D01D489BEE05}"/>
-              </a:ext>
-            </a:extLst>
-          </p:cNvPr>
+            <a:endParaRPr lang="en-US" dirty="0"/>
+          </a:p>
+        </p:txBody>
+      </p:sp>
+      <p:sp>
+        <p:nvSpPr>
+          <p:cNvPr id="3" name="Text Placeholder 2"/>
           <p:cNvSpPr>
             <a:spLocks noGrp="1"/>
           </p:cNvSpPr>
@@ -2834,8 +2484,8 @@
         </p:nvSpPr>
         <p:spPr>
           <a:xfrm>
-            <a:off x="838200" y="1825625"/>
-            <a:ext cx="10515600" cy="4351338"/>
+            <a:off x="1237546" y="1825625"/>
+            <a:ext cx="15525572" cy="4351338"/>
           </a:xfrm>
           <a:prstGeom prst="rect">
             <a:avLst/>
@@ -2880,19 +2530,13 @@
               <a:rPr lang="en-US"/>
               <a:t>Fifth level</a:t>
             </a:r>
-            <a:endParaRPr lang="en-CA"/>
-          </a:p>
-        </p:txBody>
-      </p:sp>
-      <p:sp>
-        <p:nvSpPr>
-          <p:cNvPr id="4" name="Date Placeholder 3">
-            <a:extLst>
-              <a:ext uri="{FF2B5EF4-FFF2-40B4-BE49-F238E27FC236}">
-                <a16:creationId xmlns:a16="http://schemas.microsoft.com/office/drawing/2014/main" id="{EE692466-D449-489E-8847-FB7189F5B8E1}"/>
-              </a:ext>
-            </a:extLst>
-          </p:cNvPr>
+            <a:endParaRPr lang="en-US" dirty="0"/>
+          </a:p>
+        </p:txBody>
+      </p:sp>
+      <p:sp>
+        <p:nvSpPr>
+          <p:cNvPr id="4" name="Date Placeholder 3"/>
           <p:cNvSpPr>
             <a:spLocks noGrp="1"/>
           </p:cNvSpPr>
@@ -2902,8 +2546,8 @@
         </p:nvSpPr>
         <p:spPr>
           <a:xfrm>
-            <a:off x="838200" y="6356350"/>
-            <a:ext cx="2743200" cy="365125"/>
+            <a:off x="1237546" y="6356351"/>
+            <a:ext cx="4050149" cy="365125"/>
           </a:xfrm>
           <a:prstGeom prst="rect">
             <a:avLst/>
@@ -2925,7 +2569,7 @@
           <a:p>
             <a:fld id="{38D9F8AA-6EA7-473A-9C43-49057B4516F6}" type="datetimeFigureOut">
               <a:rPr lang="en-CA" smtClean="0"/>
-              <a:t>2018-07-10</a:t>
+              <a:t>2018-07-11</a:t>
             </a:fld>
             <a:endParaRPr lang="en-CA"/>
           </a:p>
@@ -2933,13 +2577,7 @@
       </p:sp>
       <p:sp>
         <p:nvSpPr>
-          <p:cNvPr id="5" name="Footer Placeholder 4">
-            <a:extLst>
-              <a:ext uri="{FF2B5EF4-FFF2-40B4-BE49-F238E27FC236}">
-                <a16:creationId xmlns:a16="http://schemas.microsoft.com/office/drawing/2014/main" id="{C253A0A6-27A0-4F80-819F-DBE9A6954003}"/>
-              </a:ext>
-            </a:extLst>
-          </p:cNvPr>
+          <p:cNvPr id="5" name="Footer Placeholder 4"/>
           <p:cNvSpPr>
             <a:spLocks noGrp="1"/>
           </p:cNvSpPr>
@@ -2949,8 +2587,8 @@
         </p:nvSpPr>
         <p:spPr>
           <a:xfrm>
-            <a:off x="4038600" y="6356350"/>
-            <a:ext cx="4114800" cy="365125"/>
+            <a:off x="5962720" y="6356351"/>
+            <a:ext cx="6075224" cy="365125"/>
           </a:xfrm>
           <a:prstGeom prst="rect">
             <a:avLst/>
@@ -2976,13 +2614,7 @@
       </p:sp>
       <p:sp>
         <p:nvSpPr>
-          <p:cNvPr id="6" name="Slide Number Placeholder 5">
-            <a:extLst>
-              <a:ext uri="{FF2B5EF4-FFF2-40B4-BE49-F238E27FC236}">
-                <a16:creationId xmlns:a16="http://schemas.microsoft.com/office/drawing/2014/main" id="{E04F3FEF-7146-4D2B-A367-2DCEEDB7BB0D}"/>
-              </a:ext>
-            </a:extLst>
-          </p:cNvPr>
+          <p:cNvPr id="6" name="Slide Number Placeholder 5"/>
           <p:cNvSpPr>
             <a:spLocks noGrp="1"/>
           </p:cNvSpPr>
@@ -2992,8 +2624,8 @@
         </p:nvSpPr>
         <p:spPr>
           <a:xfrm>
-            <a:off x="8610600" y="6356350"/>
-            <a:ext cx="2743200" cy="365125"/>
+            <a:off x="12712968" y="6356351"/>
+            <a:ext cx="4050149" cy="365125"/>
           </a:xfrm>
           <a:prstGeom prst="rect">
             <a:avLst/>
@@ -3024,23 +2656,23 @@
     </p:spTree>
     <p:extLst>
       <p:ext uri="{BB962C8B-B14F-4D97-AF65-F5344CB8AC3E}">
-        <p14:creationId xmlns:p14="http://schemas.microsoft.com/office/powerpoint/2010/main" val="3747054422"/>
+        <p14:creationId xmlns:p14="http://schemas.microsoft.com/office/powerpoint/2010/main" val="508907401"/>
       </p:ext>
     </p:extLst>
   </p:cSld>
   <p:clrMap bg1="lt1" tx1="dk1" bg2="lt2" tx2="dk2" accent1="accent1" accent2="accent2" accent3="accent3" accent4="accent4" accent5="accent5" accent6="accent6" hlink="hlink" folHlink="folHlink"/>
   <p:sldLayoutIdLst>
-    <p:sldLayoutId id="2147483649" r:id="rId1"/>
-    <p:sldLayoutId id="2147483650" r:id="rId2"/>
-    <p:sldLayoutId id="2147483651" r:id="rId3"/>
-    <p:sldLayoutId id="2147483652" r:id="rId4"/>
-    <p:sldLayoutId id="2147483653" r:id="rId5"/>
-    <p:sldLayoutId id="2147483654" r:id="rId6"/>
-    <p:sldLayoutId id="2147483655" r:id="rId7"/>
-    <p:sldLayoutId id="2147483656" r:id="rId8"/>
-    <p:sldLayoutId id="2147483657" r:id="rId9"/>
-    <p:sldLayoutId id="2147483658" r:id="rId10"/>
-    <p:sldLayoutId id="2147483659" r:id="rId11"/>
+    <p:sldLayoutId id="2147483661" r:id="rId1"/>
+    <p:sldLayoutId id="2147483662" r:id="rId2"/>
+    <p:sldLayoutId id="2147483663" r:id="rId3"/>
+    <p:sldLayoutId id="2147483664" r:id="rId4"/>
+    <p:sldLayoutId id="2147483665" r:id="rId5"/>
+    <p:sldLayoutId id="2147483666" r:id="rId6"/>
+    <p:sldLayoutId id="2147483667" r:id="rId7"/>
+    <p:sldLayoutId id="2147483668" r:id="rId8"/>
+    <p:sldLayoutId id="2147483669" r:id="rId9"/>
+    <p:sldLayoutId id="2147483670" r:id="rId10"/>
+    <p:sldLayoutId id="2147483671" r:id="rId11"/>
   </p:sldLayoutIdLst>
   <p:txStyles>
     <p:titleStyle>
@@ -3342,8 +2974,8 @@
           <a:chExt cx="0" cy="0"/>
         </a:xfrm>
       </p:grpSpPr>
-      <mc:AlternateContent xmlns:mc="http://schemas.openxmlformats.org/markup-compatibility/2006">
-        <mc:Choice xmlns:a14="http://schemas.microsoft.com/office/drawing/2010/main" Requires="a14">
+      <mc:AlternateContent xmlns:mc="http://schemas.openxmlformats.org/markup-compatibility/2006" xmlns:a14="http://schemas.microsoft.com/office/drawing/2010/main">
+        <mc:Choice Requires="a14">
           <p:sp>
             <p:nvSpPr>
               <p:cNvPr id="32" name="TextBox 31">
@@ -3358,8 +2990,8 @@
             </p:nvSpPr>
             <p:spPr>
               <a:xfrm>
-                <a:off x="3868969" y="2277237"/>
-                <a:ext cx="3058209" cy="1991764"/>
+                <a:off x="5712270" y="1728501"/>
+                <a:ext cx="4420504" cy="2896947"/>
               </a:xfrm>
               <a:prstGeom prst="rect">
                 <a:avLst/>
@@ -3377,6 +3009,7 @@
               </a:bodyPr>
               <a:lstStyle/>
               <a:p>
+                <a:pPr/>
                 <a14:m>
                   <m:oMathPara xmlns:m="http://schemas.openxmlformats.org/officeDocument/2006/math">
                     <m:oMathParaPr>
@@ -3394,7 +3027,7 @@
                             </m:mc>
                           </m:mcs>
                           <m:ctrlPr>
-                            <a:rPr lang="en-CA" sz="2800" i="1" smtClean="0">
+                            <a:rPr lang="en-CA" sz="4134" i="1">
                               <a:solidFill>
                                 <a:srgbClr val="0070C0"/>
                               </a:solidFill>
@@ -3415,7 +3048,7 @@
                                   </m:mc>
                                 </m:mcs>
                                 <m:ctrlPr>
-                                  <a:rPr lang="en-CA" sz="2800" i="1" smtClean="0">
+                                  <a:rPr lang="en-CA" sz="4134" i="1">
                                     <a:solidFill>
                                       <a:srgbClr val="0070C0"/>
                                     </a:solidFill>
@@ -3428,7 +3061,7 @@
                                   <m:sSubSup>
                                     <m:sSubSupPr>
                                       <m:ctrlPr>
-                                        <a:rPr lang="en-CA" sz="2800" i="1" smtClean="0">
+                                        <a:rPr lang="en-CA" sz="4134" i="1">
                                           <a:solidFill>
                                             <a:srgbClr val="0070C0"/>
                                           </a:solidFill>
@@ -3438,7 +3071,7 @@
                                     </m:sSubSupPr>
                                     <m:e>
                                       <m:r>
-                                        <a:rPr lang="en-CA" sz="2800" b="0" i="1" smtClean="0">
+                                        <a:rPr lang="en-CA" sz="4134" i="1">
                                           <a:solidFill>
                                             <a:srgbClr val="0070C0"/>
                                           </a:solidFill>
@@ -3449,7 +3082,7 @@
                                     </m:e>
                                     <m:sub>
                                       <m:r>
-                                        <a:rPr lang="en-CA" sz="2800" b="0" i="1" smtClean="0">
+                                        <a:rPr lang="en-CA" sz="4134" i="1">
                                           <a:solidFill>
                                             <a:srgbClr val="0070C0"/>
                                           </a:solidFill>
@@ -3460,7 +3093,7 @@
                                     </m:sub>
                                     <m:sup>
                                       <m:r>
-                                        <a:rPr lang="en-CA" sz="2800" b="0" i="1" smtClean="0">
+                                        <a:rPr lang="en-CA" sz="4134" i="1">
                                           <a:solidFill>
                                             <a:srgbClr val="0070C0"/>
                                           </a:solidFill>
@@ -3477,7 +3110,7 @@
                                   <m:sSubSup>
                                     <m:sSubSupPr>
                                       <m:ctrlPr>
-                                        <a:rPr lang="en-CA" sz="2800" i="1" smtClean="0">
+                                        <a:rPr lang="en-CA" sz="4134" i="1">
                                           <a:solidFill>
                                             <a:srgbClr val="0070C0"/>
                                           </a:solidFill>
@@ -3487,7 +3120,7 @@
                                     </m:sSubSupPr>
                                     <m:e>
                                       <m:r>
-                                        <a:rPr lang="en-CA" sz="2800" b="0" i="1" smtClean="0">
+                                        <a:rPr lang="en-CA" sz="4134" i="1">
                                           <a:solidFill>
                                             <a:srgbClr val="0070C0"/>
                                           </a:solidFill>
@@ -3498,7 +3131,7 @@
                                     </m:e>
                                     <m:sub>
                                       <m:r>
-                                        <a:rPr lang="en-CA" sz="2800" b="0" i="1" smtClean="0">
+                                        <a:rPr lang="en-CA" sz="4134" i="1">
                                           <a:solidFill>
                                             <a:srgbClr val="0070C0"/>
                                           </a:solidFill>
@@ -3509,7 +3142,7 @@
                                     </m:sub>
                                     <m:sup>
                                       <m:r>
-                                        <a:rPr lang="en-CA" sz="2800" b="0" i="1" smtClean="0">
+                                        <a:rPr lang="en-CA" sz="4134" i="1">
                                           <a:solidFill>
                                             <a:srgbClr val="0070C0"/>
                                           </a:solidFill>
@@ -3535,7 +3168,7 @@
                                   </m:mc>
                                 </m:mcs>
                                 <m:ctrlPr>
-                                  <a:rPr lang="en-CA" sz="2800" i="1" smtClean="0">
+                                  <a:rPr lang="en-CA" sz="4134" i="1">
                                     <a:solidFill>
                                       <a:srgbClr val="0070C0"/>
                                     </a:solidFill>
@@ -3548,7 +3181,7 @@
                                   <m:sSubSup>
                                     <m:sSubSupPr>
                                       <m:ctrlPr>
-                                        <a:rPr lang="en-CA" sz="2800" i="1" smtClean="0">
+                                        <a:rPr lang="en-CA" sz="4134" i="1">
                                           <a:solidFill>
                                             <a:srgbClr val="0070C0"/>
                                           </a:solidFill>
@@ -3558,7 +3191,7 @@
                                     </m:sSubSupPr>
                                     <m:e>
                                       <m:r>
-                                        <a:rPr lang="en-CA" sz="2800" b="0" i="1" smtClean="0">
+                                        <a:rPr lang="en-CA" sz="4134" i="1">
                                           <a:solidFill>
                                             <a:srgbClr val="0070C0"/>
                                           </a:solidFill>
@@ -3569,7 +3202,7 @@
                                     </m:e>
                                     <m:sub>
                                       <m:r>
-                                        <a:rPr lang="en-CA" sz="2800" b="0" i="1" smtClean="0">
+                                        <a:rPr lang="en-CA" sz="4134" i="1">
                                           <a:solidFill>
                                             <a:srgbClr val="0070C0"/>
                                           </a:solidFill>
@@ -3580,7 +3213,7 @@
                                     </m:sub>
                                     <m:sup>
                                       <m:r>
-                                        <a:rPr lang="en-CA" sz="2800" b="0" i="1" smtClean="0">
+                                        <a:rPr lang="en-CA" sz="4134" i="1">
                                           <a:solidFill>
                                             <a:srgbClr val="0070C0"/>
                                           </a:solidFill>
@@ -3597,7 +3230,7 @@
                                   <m:sSubSup>
                                     <m:sSubSupPr>
                                       <m:ctrlPr>
-                                        <a:rPr lang="en-CA" sz="2800" i="1" smtClean="0">
+                                        <a:rPr lang="en-CA" sz="4134" i="1">
                                           <a:solidFill>
                                             <a:srgbClr val="0070C0"/>
                                           </a:solidFill>
@@ -3607,7 +3240,7 @@
                                     </m:sSubSupPr>
                                     <m:e>
                                       <m:r>
-                                        <a:rPr lang="en-CA" sz="2800" b="0" i="1" smtClean="0">
+                                        <a:rPr lang="en-CA" sz="4134" i="1">
                                           <a:solidFill>
                                             <a:srgbClr val="0070C0"/>
                                           </a:solidFill>
@@ -3618,7 +3251,7 @@
                                     </m:e>
                                     <m:sub>
                                       <m:r>
-                                        <a:rPr lang="en-CA" sz="2800" b="0" i="1" smtClean="0">
+                                        <a:rPr lang="en-CA" sz="4134" i="1">
                                           <a:solidFill>
                                             <a:srgbClr val="0070C0"/>
                                           </a:solidFill>
@@ -3629,7 +3262,7 @@
                                     </m:sub>
                                     <m:sup>
                                       <m:r>
-                                        <a:rPr lang="en-CA" sz="2800" b="0" i="1" smtClean="0">
+                                        <a:rPr lang="en-CA" sz="4134" i="1">
                                           <a:solidFill>
                                             <a:srgbClr val="0070C0"/>
                                           </a:solidFill>
@@ -3655,7 +3288,7 @@
                                   </m:mc>
                                 </m:mcs>
                                 <m:ctrlPr>
-                                  <a:rPr lang="en-CA" sz="2800" i="1" smtClean="0">
+                                  <a:rPr lang="en-CA" sz="4134" i="1">
                                     <a:solidFill>
                                       <a:srgbClr val="0070C0"/>
                                     </a:solidFill>
@@ -3676,7 +3309,7 @@
                                         </m:mc>
                                       </m:mcs>
                                       <m:ctrlPr>
-                                        <a:rPr lang="en-CA" sz="2800" i="1" smtClean="0">
+                                        <a:rPr lang="en-CA" sz="4134" i="1">
                                           <a:solidFill>
                                             <a:srgbClr val="0070C0"/>
                                           </a:solidFill>
@@ -3689,7 +3322,7 @@
                                         <m:sSubSup>
                                           <m:sSubSupPr>
                                             <m:ctrlPr>
-                                              <a:rPr lang="en-CA" sz="2800" i="1" smtClean="0">
+                                              <a:rPr lang="en-CA" sz="4134" i="1">
                                                 <a:solidFill>
                                                   <a:srgbClr val="0070C0"/>
                                                 </a:solidFill>
@@ -3699,7 +3332,7 @@
                                           </m:sSubSupPr>
                                           <m:e>
                                             <m:r>
-                                              <a:rPr lang="en-CA" sz="2800" b="0" i="1" smtClean="0">
+                                              <a:rPr lang="en-CA" sz="4134" i="1">
                                                 <a:solidFill>
                                                   <a:srgbClr val="0070C0"/>
                                                 </a:solidFill>
@@ -3710,7 +3343,7 @@
                                           </m:e>
                                           <m:sub>
                                             <m:r>
-                                              <a:rPr lang="en-CA" sz="2800" b="0" i="1" smtClean="0">
+                                              <a:rPr lang="en-CA" sz="4134" i="1">
                                                 <a:solidFill>
                                                   <a:srgbClr val="0070C0"/>
                                                 </a:solidFill>
@@ -3721,7 +3354,7 @@
                                           </m:sub>
                                           <m:sup>
                                             <m:r>
-                                              <a:rPr lang="en-CA" sz="2800" b="0" i="1" smtClean="0">
+                                              <a:rPr lang="en-CA" sz="4134" i="1">
                                                 <a:solidFill>
                                                   <a:srgbClr val="0070C0"/>
                                                 </a:solidFill>
@@ -3736,7 +3369,7 @@
                                         <m:sSubSup>
                                           <m:sSubSupPr>
                                             <m:ctrlPr>
-                                              <a:rPr lang="en-CA" sz="2800" i="1" smtClean="0">
+                                              <a:rPr lang="en-CA" sz="4134" i="1">
                                                 <a:solidFill>
                                                   <a:srgbClr val="0070C0"/>
                                                 </a:solidFill>
@@ -3746,7 +3379,7 @@
                                           </m:sSubSupPr>
                                           <m:e>
                                             <m:r>
-                                              <a:rPr lang="en-CA" sz="2800" b="0" i="1" smtClean="0">
+                                              <a:rPr lang="en-CA" sz="4134" i="1">
                                                 <a:solidFill>
                                                   <a:srgbClr val="0070C0"/>
                                                 </a:solidFill>
@@ -3757,7 +3390,7 @@
                                           </m:e>
                                           <m:sub>
                                             <m:r>
-                                              <a:rPr lang="en-CA" sz="2800" b="0" i="1" smtClean="0">
+                                              <a:rPr lang="en-CA" sz="4134" i="1">
                                                 <a:solidFill>
                                                   <a:srgbClr val="0070C0"/>
                                                 </a:solidFill>
@@ -3768,7 +3401,7 @@
                                           </m:sub>
                                           <m:sup>
                                             <m:r>
-                                              <a:rPr lang="en-CA" sz="2800" b="0" i="1" smtClean="0">
+                                              <a:rPr lang="en-CA" sz="4134" i="1">
                                                 <a:solidFill>
                                                   <a:srgbClr val="0070C0"/>
                                                 </a:solidFill>
@@ -3796,7 +3429,7 @@
                                         </m:mc>
                                       </m:mcs>
                                       <m:ctrlPr>
-                                        <a:rPr lang="en-CA" sz="2800" i="1" smtClean="0">
+                                        <a:rPr lang="en-CA" sz="4134" i="1">
                                           <a:solidFill>
                                             <a:srgbClr val="0070C0"/>
                                           </a:solidFill>
@@ -3809,7 +3442,7 @@
                                         <m:sSubSup>
                                           <m:sSubSupPr>
                                             <m:ctrlPr>
-                                              <a:rPr lang="en-CA" sz="2800" i="1" smtClean="0">
+                                              <a:rPr lang="en-CA" sz="4134" i="1">
                                                 <a:solidFill>
                                                   <a:srgbClr val="0070C0"/>
                                                 </a:solidFill>
@@ -3819,7 +3452,7 @@
                                           </m:sSubSupPr>
                                           <m:e>
                                             <m:r>
-                                              <a:rPr lang="en-CA" sz="2800" b="0" i="1" smtClean="0">
+                                              <a:rPr lang="en-CA" sz="4134" i="1">
                                                 <a:solidFill>
                                                   <a:srgbClr val="0070C0"/>
                                                 </a:solidFill>
@@ -3830,7 +3463,7 @@
                                           </m:e>
                                           <m:sub>
                                             <m:r>
-                                              <a:rPr lang="en-CA" sz="2800" b="0" i="1" smtClean="0">
+                                              <a:rPr lang="en-CA" sz="4134" i="1">
                                                 <a:solidFill>
                                                   <a:srgbClr val="0070C0"/>
                                                 </a:solidFill>
@@ -3841,7 +3474,7 @@
                                           </m:sub>
                                           <m:sup>
                                             <m:r>
-                                              <a:rPr lang="en-CA" sz="2800" b="0" i="1" smtClean="0">
+                                              <a:rPr lang="en-CA" sz="4134" i="1">
                                                 <a:solidFill>
                                                   <a:srgbClr val="0070C0"/>
                                                 </a:solidFill>
@@ -3856,7 +3489,7 @@
                                         <m:sSubSup>
                                           <m:sSubSupPr>
                                             <m:ctrlPr>
-                                              <a:rPr lang="en-CA" sz="2800" i="1" smtClean="0">
+                                              <a:rPr lang="en-CA" sz="4134" i="1">
                                                 <a:solidFill>
                                                   <a:srgbClr val="0070C0"/>
                                                 </a:solidFill>
@@ -3866,7 +3499,7 @@
                                           </m:sSubSupPr>
                                           <m:e>
                                             <m:r>
-                                              <a:rPr lang="en-CA" sz="2800" b="0" i="1" smtClean="0">
+                                              <a:rPr lang="en-CA" sz="4134" i="1">
                                                 <a:solidFill>
                                                   <a:srgbClr val="0070C0"/>
                                                 </a:solidFill>
@@ -3877,7 +3510,7 @@
                                           </m:e>
                                           <m:sub>
                                             <m:r>
-                                              <a:rPr lang="en-CA" sz="2800" b="0" i="1" smtClean="0">
+                                              <a:rPr lang="en-CA" sz="4134" i="1">
                                                 <a:solidFill>
                                                   <a:srgbClr val="0070C0"/>
                                                 </a:solidFill>
@@ -3888,7 +3521,7 @@
                                           </m:sub>
                                           <m:sup>
                                             <m:r>
-                                              <a:rPr lang="en-CA" sz="2800" b="0" i="1" smtClean="0">
+                                              <a:rPr lang="en-CA" sz="4134" i="1">
                                                 <a:solidFill>
                                                   <a:srgbClr val="0070C0"/>
                                                 </a:solidFill>
@@ -3909,7 +3542,7 @@
                         <m:mr>
                           <m:e>
                             <m:r>
-                              <a:rPr lang="en-CA" sz="2800" i="1" smtClean="0">
+                              <a:rPr lang="en-CA" sz="4134" i="1">
                                 <a:solidFill>
                                   <a:srgbClr val="0070C0"/>
                                 </a:solidFill>
@@ -3920,7 +3553,7 @@
                           </m:e>
                           <m:e>
                             <m:r>
-                              <a:rPr lang="en-CA" sz="2800" i="1" smtClean="0">
+                              <a:rPr lang="en-CA" sz="4134" i="1">
                                 <a:solidFill>
                                   <a:srgbClr val="0070C0"/>
                                 </a:solidFill>
@@ -3941,7 +3574,7 @@
                                   </m:mc>
                                 </m:mcs>
                                 <m:ctrlPr>
-                                  <a:rPr lang="en-CA" sz="2800" i="1" smtClean="0">
+                                  <a:rPr lang="en-CA" sz="4134" i="1">
                                     <a:solidFill>
                                       <a:srgbClr val="0070C0"/>
                                     </a:solidFill>
@@ -3952,7 +3585,7 @@
                               <m:mr>
                                 <m:e>
                                   <m:r>
-                                    <a:rPr lang="en-CA" sz="2800" i="1" smtClean="0">
+                                    <a:rPr lang="en-CA" sz="4134" i="1">
                                       <a:solidFill>
                                         <a:srgbClr val="0070C0"/>
                                       </a:solidFill>
@@ -3963,7 +3596,7 @@
                                 </m:e>
                                 <m:e>
                                   <m:r>
-                                    <a:rPr lang="en-CA" sz="2800" i="1" smtClean="0">
+                                    <a:rPr lang="en-CA" sz="4134" i="1">
                                       <a:solidFill>
                                         <a:srgbClr val="0070C0"/>
                                       </a:solidFill>
@@ -3981,7 +3614,7 @@
                             <m:sSubSup>
                               <m:sSubSupPr>
                                 <m:ctrlPr>
-                                  <a:rPr lang="en-CA" sz="2800" i="1" smtClean="0">
+                                  <a:rPr lang="en-CA" sz="4134" i="1">
                                     <a:solidFill>
                                       <a:srgbClr val="0070C0"/>
                                     </a:solidFill>
@@ -3991,7 +3624,7 @@
                               </m:sSubSupPr>
                               <m:e>
                                 <m:r>
-                                  <a:rPr lang="en-CA" sz="2800" b="0" i="1" smtClean="0">
+                                  <a:rPr lang="en-CA" sz="4134" i="1">
                                     <a:solidFill>
                                       <a:srgbClr val="0070C0"/>
                                     </a:solidFill>
@@ -4002,7 +3635,7 @@
                               </m:e>
                               <m:sub>
                                 <m:r>
-                                  <a:rPr lang="en-CA" sz="2800" b="0" i="1" smtClean="0">
+                                  <a:rPr lang="en-CA" sz="4134" i="1">
                                     <a:solidFill>
                                       <a:srgbClr val="0070C0"/>
                                     </a:solidFill>
@@ -4013,7 +3646,7 @@
                               </m:sub>
                               <m:sup>
                                 <m:r>
-                                  <a:rPr lang="en-CA" sz="2800" b="0" i="1" smtClean="0">
+                                  <a:rPr lang="en-CA" sz="4134" i="1">
                                     <a:solidFill>
                                       <a:srgbClr val="0070C0"/>
                                     </a:solidFill>
@@ -4028,7 +3661,7 @@
                             <m:sSubSup>
                               <m:sSubSupPr>
                                 <m:ctrlPr>
-                                  <a:rPr lang="en-CA" sz="2800" i="1" smtClean="0">
+                                  <a:rPr lang="en-CA" sz="4134" i="1">
                                     <a:solidFill>
                                       <a:srgbClr val="0070C0"/>
                                     </a:solidFill>
@@ -4038,7 +3671,7 @@
                               </m:sSubSupPr>
                               <m:e>
                                 <m:r>
-                                  <a:rPr lang="en-CA" sz="2800" b="0" i="1" smtClean="0">
+                                  <a:rPr lang="en-CA" sz="4134" i="1">
                                     <a:solidFill>
                                       <a:srgbClr val="0070C0"/>
                                     </a:solidFill>
@@ -4049,7 +3682,7 @@
                               </m:e>
                               <m:sub>
                                 <m:r>
-                                  <a:rPr lang="en-CA" sz="2800" b="0" i="1" smtClean="0">
+                                  <a:rPr lang="en-CA" sz="4134" i="1">
                                     <a:solidFill>
                                       <a:srgbClr val="0070C0"/>
                                     </a:solidFill>
@@ -4060,7 +3693,7 @@
                               </m:sub>
                               <m:sup>
                                 <m:r>
-                                  <a:rPr lang="en-CA" sz="2800" b="0" i="1" smtClean="0">
+                                  <a:rPr lang="en-CA" sz="4134" i="1">
                                     <a:solidFill>
                                       <a:srgbClr val="0070C0"/>
                                     </a:solidFill>
@@ -4083,7 +3716,7 @@
                                   </m:mc>
                                 </m:mcs>
                                 <m:ctrlPr>
-                                  <a:rPr lang="en-CA" sz="2800" i="1" smtClean="0">
+                                  <a:rPr lang="en-CA" sz="4134" i="1">
                                     <a:solidFill>
                                       <a:srgbClr val="0070C0"/>
                                     </a:solidFill>
@@ -4096,7 +3729,7 @@
                                   <m:sSubSup>
                                     <m:sSubSupPr>
                                       <m:ctrlPr>
-                                        <a:rPr lang="en-CA" sz="2800" i="1" smtClean="0">
+                                        <a:rPr lang="en-CA" sz="4134" i="1">
                                           <a:solidFill>
                                             <a:srgbClr val="0070C0"/>
                                           </a:solidFill>
@@ -4106,7 +3739,7 @@
                                     </m:sSubSupPr>
                                     <m:e>
                                       <m:r>
-                                        <a:rPr lang="en-CA" sz="2800" b="0" i="1" smtClean="0">
+                                        <a:rPr lang="en-CA" sz="4134" i="1">
                                           <a:solidFill>
                                             <a:srgbClr val="0070C0"/>
                                           </a:solidFill>
@@ -4117,7 +3750,7 @@
                                     </m:e>
                                     <m:sub>
                                       <m:r>
-                                        <a:rPr lang="en-CA" sz="2800" b="0" i="1" smtClean="0">
+                                        <a:rPr lang="en-CA" sz="4134" i="1">
                                           <a:solidFill>
                                             <a:srgbClr val="0070C0"/>
                                           </a:solidFill>
@@ -4128,7 +3761,7 @@
                                     </m:sub>
                                     <m:sup>
                                       <m:r>
-                                        <a:rPr lang="en-CA" sz="2800" b="0" i="1" smtClean="0">
+                                        <a:rPr lang="en-CA" sz="4134" i="1">
                                           <a:solidFill>
                                             <a:srgbClr val="0070C0"/>
                                           </a:solidFill>
@@ -4143,7 +3776,7 @@
                                   <m:sSubSup>
                                     <m:sSubSupPr>
                                       <m:ctrlPr>
-                                        <a:rPr lang="en-CA" sz="2800" i="1" smtClean="0">
+                                        <a:rPr lang="en-CA" sz="4134" i="1">
                                           <a:solidFill>
                                             <a:srgbClr val="0070C0"/>
                                           </a:solidFill>
@@ -4153,7 +3786,7 @@
                                     </m:sSubSupPr>
                                     <m:e>
                                       <m:r>
-                                        <a:rPr lang="en-CA" sz="2800" b="0" i="1" smtClean="0">
+                                        <a:rPr lang="en-CA" sz="4134" i="1">
                                           <a:solidFill>
                                             <a:srgbClr val="0070C0"/>
                                           </a:solidFill>
@@ -4164,7 +3797,7 @@
                                     </m:e>
                                     <m:sub>
                                       <m:r>
-                                        <a:rPr lang="en-CA" sz="2800" b="0" i="1" smtClean="0">
+                                        <a:rPr lang="en-CA" sz="4134" i="1">
                                           <a:solidFill>
                                             <a:srgbClr val="0070C0"/>
                                           </a:solidFill>
@@ -4175,7 +3808,7 @@
                                     </m:sub>
                                     <m:sup>
                                       <m:r>
-                                        <a:rPr lang="en-CA" sz="2800" b="0" i="1" smtClean="0">
+                                        <a:rPr lang="en-CA" sz="4134" i="1">
                                           <a:solidFill>
                                             <a:srgbClr val="0070C0"/>
                                           </a:solidFill>
@@ -4194,7 +3827,7 @@
                     </m:oMath>
                   </m:oMathPara>
                 </a14:m>
-                <a:endParaRPr lang="en-CA" sz="2800" dirty="0">
+                <a:endParaRPr lang="en-CA" sz="4134" dirty="0">
                   <a:solidFill>
                     <a:srgbClr val="0070C0"/>
                   </a:solidFill>
@@ -4203,7 +3836,7 @@
             </p:txBody>
           </p:sp>
         </mc:Choice>
-        <mc:Fallback>
+        <mc:Fallback xmlns="">
           <p:sp>
             <p:nvSpPr>
               <p:cNvPr id="32" name="TextBox 31">
@@ -4220,8 +3853,8 @@
             </p:nvSpPr>
             <p:spPr>
               <a:xfrm>
-                <a:off x="3868969" y="2277237"/>
-                <a:ext cx="3058209" cy="1991764"/>
+                <a:off x="5712270" y="1728501"/>
+                <a:ext cx="4420504" cy="2896947"/>
               </a:xfrm>
               <a:prstGeom prst="rect">
                 <a:avLst/>
@@ -4266,10 +3899,160 @@
 </p:sld>
 </file>
 
+<file path=ppt/slides/slide2.xml><?xml version="1.0" encoding="utf-8"?>
+<p:sld xmlns:a="http://schemas.openxmlformats.org/drawingml/2006/main" xmlns:r="http://schemas.openxmlformats.org/officeDocument/2006/relationships" xmlns:p="http://schemas.openxmlformats.org/presentationml/2006/main">
+  <p:cSld>
+    <p:spTree>
+      <p:nvGrpSpPr>
+        <p:cNvPr id="1" name=""/>
+        <p:cNvGrpSpPr/>
+        <p:nvPr/>
+      </p:nvGrpSpPr>
+      <p:grpSpPr>
+        <a:xfrm>
+          <a:off x="0" y="0"/>
+          <a:ext cx="0" cy="0"/>
+          <a:chOff x="0" y="0"/>
+          <a:chExt cx="0" cy="0"/>
+        </a:xfrm>
+      </p:grpSpPr>
+      <p:pic>
+        <p:nvPicPr>
+          <p:cNvPr id="3" name="Picture 2">
+            <a:extLst>
+              <a:ext uri="{FF2B5EF4-FFF2-40B4-BE49-F238E27FC236}">
+                <a16:creationId xmlns:a16="http://schemas.microsoft.com/office/drawing/2014/main" id="{288D541E-F4D2-46F8-9FDE-687718711F34}"/>
+              </a:ext>
+            </a:extLst>
+          </p:cNvPr>
+          <p:cNvPicPr>
+            <a:picLocks noChangeAspect="1"/>
+          </p:cNvPicPr>
+          <p:nvPr/>
+        </p:nvPicPr>
+        <p:blipFill>
+          <a:blip r:embed="rId2"/>
+          <a:stretch>
+            <a:fillRect/>
+          </a:stretch>
+        </p:blipFill>
+        <p:spPr>
+          <a:xfrm>
+            <a:off x="11708078" y="486134"/>
+            <a:ext cx="6292586" cy="5388791"/>
+          </a:xfrm>
+          <a:prstGeom prst="rect">
+            <a:avLst/>
+          </a:prstGeom>
+        </p:spPr>
+      </p:pic>
+      <p:pic>
+        <p:nvPicPr>
+          <p:cNvPr id="9" name="Picture 8">
+            <a:extLst>
+              <a:ext uri="{FF2B5EF4-FFF2-40B4-BE49-F238E27FC236}">
+                <a16:creationId xmlns:a16="http://schemas.microsoft.com/office/drawing/2014/main" id="{BEB5418E-3A18-410A-B10A-5637C55181FA}"/>
+              </a:ext>
+            </a:extLst>
+          </p:cNvPr>
+          <p:cNvPicPr>
+            <a:picLocks noChangeAspect="1"/>
+          </p:cNvPicPr>
+          <p:nvPr/>
+        </p:nvPicPr>
+        <p:blipFill>
+          <a:blip r:embed="rId3"/>
+          <a:stretch>
+            <a:fillRect/>
+          </a:stretch>
+        </p:blipFill>
+        <p:spPr>
+          <a:xfrm>
+            <a:off x="7802476" y="486135"/>
+            <a:ext cx="3905602" cy="4614672"/>
+          </a:xfrm>
+          <a:prstGeom prst="rect">
+            <a:avLst/>
+          </a:prstGeom>
+        </p:spPr>
+      </p:pic>
+      <p:pic>
+        <p:nvPicPr>
+          <p:cNvPr id="10" name="Picture 9">
+            <a:extLst>
+              <a:ext uri="{FF2B5EF4-FFF2-40B4-BE49-F238E27FC236}">
+                <a16:creationId xmlns:a16="http://schemas.microsoft.com/office/drawing/2014/main" id="{47971B85-444D-4959-BE51-6CFE97DA15E3}"/>
+              </a:ext>
+            </a:extLst>
+          </p:cNvPr>
+          <p:cNvPicPr>
+            <a:picLocks noChangeAspect="1"/>
+          </p:cNvPicPr>
+          <p:nvPr/>
+        </p:nvPicPr>
+        <p:blipFill>
+          <a:blip r:embed="rId4"/>
+          <a:stretch>
+            <a:fillRect/>
+          </a:stretch>
+        </p:blipFill>
+        <p:spPr>
+          <a:xfrm>
+            <a:off x="0" y="511384"/>
+            <a:ext cx="4111095" cy="2666493"/>
+          </a:xfrm>
+          <a:prstGeom prst="rect">
+            <a:avLst/>
+          </a:prstGeom>
+        </p:spPr>
+      </p:pic>
+      <p:pic>
+        <p:nvPicPr>
+          <p:cNvPr id="2" name="Picture 1">
+            <a:extLst>
+              <a:ext uri="{FF2B5EF4-FFF2-40B4-BE49-F238E27FC236}">
+                <a16:creationId xmlns:a16="http://schemas.microsoft.com/office/drawing/2014/main" id="{0FBAB767-98C0-44EF-BD34-062CF6420F1F}"/>
+              </a:ext>
+            </a:extLst>
+          </p:cNvPr>
+          <p:cNvPicPr>
+            <a:picLocks noChangeAspect="1"/>
+          </p:cNvPicPr>
+          <p:nvPr/>
+        </p:nvPicPr>
+        <p:blipFill>
+          <a:blip r:embed="rId5"/>
+          <a:stretch>
+            <a:fillRect/>
+          </a:stretch>
+        </p:blipFill>
+        <p:spPr>
+          <a:xfrm>
+            <a:off x="4111094" y="486134"/>
+            <a:ext cx="3691381" cy="4308311"/>
+          </a:xfrm>
+          <a:prstGeom prst="rect">
+            <a:avLst/>
+          </a:prstGeom>
+        </p:spPr>
+      </p:pic>
+    </p:spTree>
+    <p:extLst>
+      <p:ext uri="{BB962C8B-B14F-4D97-AF65-F5344CB8AC3E}">
+        <p14:creationId xmlns:p14="http://schemas.microsoft.com/office/powerpoint/2010/main" val="1856429056"/>
+      </p:ext>
+    </p:extLst>
+  </p:cSld>
+  <p:clrMapOvr>
+    <a:masterClrMapping/>
+  </p:clrMapOvr>
+</p:sld>
+</file>
+
 <file path=ppt/theme/theme1.xml><?xml version="1.0" encoding="utf-8"?>
 <a:theme xmlns:a="http://schemas.openxmlformats.org/drawingml/2006/main" name="Office Theme">
   <a:themeElements>
-    <a:clrScheme name="Office">
+    <a:clrScheme name="Office Theme">
       <a:dk1>
         <a:sysClr val="windowText" lastClr="000000"/>
       </a:dk1>
@@ -4307,7 +4090,7 @@
         <a:srgbClr val="954F72"/>
       </a:folHlink>
     </a:clrScheme>
-    <a:fontScheme name="Office">
+    <a:fontScheme name="Office Theme">
       <a:majorFont>
         <a:latin typeface="Calibri Light" panose="020F0302020204030204"/>
         <a:ea typeface=""/>
@@ -4342,23 +4125,6 @@
         <a:font script="Viet" typeface="Times New Roman"/>
         <a:font script="Uigh" typeface="Microsoft Uighur"/>
         <a:font script="Geor" typeface="Sylfaen"/>
-        <a:font script="Armn" typeface="Arial"/>
-        <a:font script="Bugi" typeface="Leelawadee UI"/>
-        <a:font script="Bopo" typeface="Microsoft JhengHei"/>
-        <a:font script="Java" typeface="Javanese Text"/>
-        <a:font script="Lisu" typeface="Segoe UI"/>
-        <a:font script="Mymr" typeface="Myanmar Text"/>
-        <a:font script="Nkoo" typeface="Ebrima"/>
-        <a:font script="Olck" typeface="Nirmala UI"/>
-        <a:font script="Osma" typeface="Ebrima"/>
-        <a:font script="Phag" typeface="Phagspa"/>
-        <a:font script="Syrn" typeface="Estrangelo Edessa"/>
-        <a:font script="Syrj" typeface="Estrangelo Edessa"/>
-        <a:font script="Syre" typeface="Estrangelo Edessa"/>
-        <a:font script="Sora" typeface="Nirmala UI"/>
-        <a:font script="Tale" typeface="Microsoft Tai Le"/>
-        <a:font script="Talu" typeface="Microsoft New Tai Lue"/>
-        <a:font script="Tfng" typeface="Ebrima"/>
       </a:majorFont>
       <a:minorFont>
         <a:latin typeface="Calibri" panose="020F0502020204030204"/>
@@ -4394,26 +4160,9 @@
         <a:font script="Viet" typeface="Arial"/>
         <a:font script="Uigh" typeface="Microsoft Uighur"/>
         <a:font script="Geor" typeface="Sylfaen"/>
-        <a:font script="Armn" typeface="Arial"/>
-        <a:font script="Bugi" typeface="Leelawadee UI"/>
-        <a:font script="Bopo" typeface="Microsoft JhengHei"/>
-        <a:font script="Java" typeface="Javanese Text"/>
-        <a:font script="Lisu" typeface="Segoe UI"/>
-        <a:font script="Mymr" typeface="Myanmar Text"/>
-        <a:font script="Nkoo" typeface="Ebrima"/>
-        <a:font script="Olck" typeface="Nirmala UI"/>
-        <a:font script="Osma" typeface="Ebrima"/>
-        <a:font script="Phag" typeface="Phagspa"/>
-        <a:font script="Syrn" typeface="Estrangelo Edessa"/>
-        <a:font script="Syrj" typeface="Estrangelo Edessa"/>
-        <a:font script="Syre" typeface="Estrangelo Edessa"/>
-        <a:font script="Sora" typeface="Nirmala UI"/>
-        <a:font script="Tale" typeface="Microsoft Tai Le"/>
-        <a:font script="Talu" typeface="Microsoft New Tai Lue"/>
-        <a:font script="Tfng" typeface="Ebrima"/>
       </a:minorFont>
     </a:fontScheme>
-    <a:fmtScheme name="Office">
+    <a:fmtScheme name="Office Theme">
       <a:fillStyleLst>
         <a:solidFill>
           <a:schemeClr val="phClr"/>
